--- a/src/etki/2018/12/elasticsearch-inside-out/elasticsearch-inside-out.pptx
+++ b/src/etki/2018/12/elasticsearch-inside-out/elasticsearch-inside-out.pptx
@@ -8949,7 +8949,7 @@
         <p:spPr>
           <a:xfrm>
             <a:off x="504000" y="301320"/>
-            <a:ext cx="9071640" cy="1261440"/>
+            <a:ext cx="9072000" cy="1261800"/>
           </a:xfrm>
           <a:prstGeom prst="rect">
             <a:avLst/>
@@ -8959,6 +8959,20 @@
           <a:bodyPr lIns="0" rIns="0" tIns="0" bIns="0" anchor="ctr"/>
           <a:p>
             <a:pPr algn="ctr"/>
+            <a:r>
+              <a:rPr b="0" lang="en-US" sz="4400" spc="-1" strike="noStrike">
+                <a:solidFill>
+                  <a:srgbClr val="000000"/>
+                </a:solidFill>
+                <a:uFill>
+                  <a:solidFill>
+                    <a:srgbClr val="ffffff"/>
+                  </a:solidFill>
+                </a:uFill>
+                <a:latin typeface="Arial"/>
+              </a:rPr>
+              <a:t>Click to edit the title text format</a:t>
+            </a:r>
             <a:endParaRPr b="0" lang="en-US" sz="4400" spc="-1" strike="noStrike">
               <a:solidFill>
                 <a:srgbClr val="000000"/>
@@ -8986,7 +9000,7 @@
         <p:spPr>
           <a:xfrm>
             <a:off x="504000" y="1768680"/>
-            <a:ext cx="9071640" cy="4383720"/>
+            <a:ext cx="9072000" cy="4384080"/>
           </a:xfrm>
           <a:prstGeom prst="rect">
             <a:avLst/>
@@ -9004,7 +9018,7 @@
               <a:buChar char=""/>
             </a:pPr>
             <a:r>
-              <a:rPr b="0" lang="en-US" sz="1800" spc="-1" strike="noStrike">
+              <a:rPr b="0" lang="en-US" sz="3200" spc="-1" strike="noStrike">
                 <a:solidFill>
                   <a:srgbClr val="000000"/>
                 </a:solidFill>
@@ -9017,7 +9031,7 @@
               </a:rPr>
               <a:t>Click to edit the outline text format</a:t>
             </a:r>
-            <a:endParaRPr b="0" lang="en-US" sz="1800" spc="-1" strike="noStrike">
+            <a:endParaRPr b="0" lang="en-US" sz="3200" spc="-1" strike="noStrike">
               <a:solidFill>
                 <a:srgbClr val="000000"/>
               </a:solidFill>
@@ -9039,7 +9053,7 @@
               <a:buChar char=""/>
             </a:pPr>
             <a:r>
-              <a:rPr b="0" lang="en-US" sz="1800" spc="-1" strike="noStrike">
+              <a:rPr b="0" lang="en-US" sz="2800" spc="-1" strike="noStrike">
                 <a:solidFill>
                   <a:srgbClr val="000000"/>
                 </a:solidFill>
@@ -9052,7 +9066,7 @@
               </a:rPr>
               <a:t>Second Outline Level</a:t>
             </a:r>
-            <a:endParaRPr b="0" lang="en-US" sz="1800" spc="-1" strike="noStrike">
+            <a:endParaRPr b="0" lang="en-US" sz="2800" spc="-1" strike="noStrike">
               <a:solidFill>
                 <a:srgbClr val="000000"/>
               </a:solidFill>
@@ -9074,7 +9088,7 @@
               <a:buChar char=""/>
             </a:pPr>
             <a:r>
-              <a:rPr b="0" lang="en-US" sz="1800" spc="-1" strike="noStrike">
+              <a:rPr b="0" lang="en-US" sz="2400" spc="-1" strike="noStrike">
                 <a:solidFill>
                   <a:srgbClr val="000000"/>
                 </a:solidFill>
@@ -9087,7 +9101,7 @@
               </a:rPr>
               <a:t>Third Outline Level</a:t>
             </a:r>
-            <a:endParaRPr b="0" lang="en-US" sz="1800" spc="-1" strike="noStrike">
+            <a:endParaRPr b="0" lang="en-US" sz="2400" spc="-1" strike="noStrike">
               <a:solidFill>
                 <a:srgbClr val="000000"/>
               </a:solidFill>
@@ -9109,7 +9123,7 @@
               <a:buChar char=""/>
             </a:pPr>
             <a:r>
-              <a:rPr b="0" lang="en-US" sz="1800" spc="-1" strike="noStrike">
+              <a:rPr b="0" lang="en-US" sz="2000" spc="-1" strike="noStrike">
                 <a:solidFill>
                   <a:srgbClr val="000000"/>
                 </a:solidFill>
@@ -9122,7 +9136,7 @@
               </a:rPr>
               <a:t>Fourth Outline Level</a:t>
             </a:r>
-            <a:endParaRPr b="0" lang="en-US" sz="1800" spc="-1" strike="noStrike">
+            <a:endParaRPr b="0" lang="en-US" sz="2000" spc="-1" strike="noStrike">
               <a:solidFill>
                 <a:srgbClr val="000000"/>
               </a:solidFill>
@@ -9144,7 +9158,7 @@
               <a:buChar char=""/>
             </a:pPr>
             <a:r>
-              <a:rPr b="0" lang="en-US" sz="1800" spc="-1" strike="noStrike">
+              <a:rPr b="0" lang="en-US" sz="2000" spc="-1" strike="noStrike">
                 <a:solidFill>
                   <a:srgbClr val="000000"/>
                 </a:solidFill>
@@ -9157,7 +9171,7 @@
               </a:rPr>
               <a:t>Fifth Outline Level</a:t>
             </a:r>
-            <a:endParaRPr b="0" lang="en-US" sz="1800" spc="-1" strike="noStrike">
+            <a:endParaRPr b="0" lang="en-US" sz="2000" spc="-1" strike="noStrike">
               <a:solidFill>
                 <a:srgbClr val="000000"/>
               </a:solidFill>
@@ -9179,7 +9193,7 @@
               <a:buChar char=""/>
             </a:pPr>
             <a:r>
-              <a:rPr b="0" lang="en-US" sz="1800" spc="-1" strike="noStrike">
+              <a:rPr b="0" lang="en-US" sz="2000" spc="-1" strike="noStrike">
                 <a:solidFill>
                   <a:srgbClr val="000000"/>
                 </a:solidFill>
@@ -9192,7 +9206,7 @@
               </a:rPr>
               <a:t>Sixth Outline Level</a:t>
             </a:r>
-            <a:endParaRPr b="0" lang="en-US" sz="1800" spc="-1" strike="noStrike">
+            <a:endParaRPr b="0" lang="en-US" sz="2000" spc="-1" strike="noStrike">
               <a:solidFill>
                 <a:srgbClr val="000000"/>
               </a:solidFill>
@@ -9214,7 +9228,7 @@
               <a:buChar char=""/>
             </a:pPr>
             <a:r>
-              <a:rPr b="0" lang="en-US" sz="1800" spc="-1" strike="noStrike">
+              <a:rPr b="0" lang="en-US" sz="2000" spc="-1" strike="noStrike">
                 <a:solidFill>
                   <a:srgbClr val="000000"/>
                 </a:solidFill>
@@ -9227,7 +9241,7 @@
               </a:rPr>
               <a:t>Seventh Outline Level</a:t>
             </a:r>
-            <a:endParaRPr b="0" lang="en-US" sz="1800" spc="-1" strike="noStrike">
+            <a:endParaRPr b="0" lang="en-US" sz="2000" spc="-1" strike="noStrike">
               <a:solidFill>
                 <a:srgbClr val="000000"/>
               </a:solidFill>
@@ -10715,7 +10729,7 @@
         <p:spPr>
           <a:xfrm>
             <a:off x="504000" y="301320"/>
-            <a:ext cx="9071640" cy="1261440"/>
+            <a:ext cx="9072000" cy="1261800"/>
           </a:xfrm>
           <a:prstGeom prst="rect">
             <a:avLst/>
@@ -10725,6 +10739,20 @@
           <a:bodyPr lIns="0" rIns="0" tIns="0" bIns="0" anchor="ctr"/>
           <a:p>
             <a:pPr algn="ctr"/>
+            <a:r>
+              <a:rPr b="0" lang="en-US" sz="4400" spc="-1" strike="noStrike">
+                <a:solidFill>
+                  <a:srgbClr val="000000"/>
+                </a:solidFill>
+                <a:uFill>
+                  <a:solidFill>
+                    <a:srgbClr val="ffffff"/>
+                  </a:solidFill>
+                </a:uFill>
+                <a:latin typeface="Arial"/>
+              </a:rPr>
+              <a:t>Click to edit the title text format</a:t>
+            </a:r>
             <a:endParaRPr b="0" lang="en-US" sz="4400" spc="-1" strike="noStrike">
               <a:solidFill>
                 <a:srgbClr val="000000"/>
@@ -10752,7 +10780,7 @@
         <p:spPr>
           <a:xfrm>
             <a:off x="504000" y="1768680"/>
-            <a:ext cx="9071640" cy="4383720"/>
+            <a:ext cx="9072000" cy="4384080"/>
           </a:xfrm>
           <a:prstGeom prst="rect">
             <a:avLst/>
@@ -10770,7 +10798,7 @@
               <a:buChar char=""/>
             </a:pPr>
             <a:r>
-              <a:rPr b="0" lang="en-US" sz="1800" spc="-1" strike="noStrike">
+              <a:rPr b="0" lang="en-US" sz="3200" spc="-1" strike="noStrike">
                 <a:solidFill>
                   <a:srgbClr val="000000"/>
                 </a:solidFill>
@@ -10783,7 +10811,7 @@
               </a:rPr>
               <a:t>Click to edit the outline text format</a:t>
             </a:r>
-            <a:endParaRPr b="0" lang="en-US" sz="1800" spc="-1" strike="noStrike">
+            <a:endParaRPr b="0" lang="en-US" sz="3200" spc="-1" strike="noStrike">
               <a:solidFill>
                 <a:srgbClr val="000000"/>
               </a:solidFill>
@@ -10805,7 +10833,7 @@
               <a:buChar char=""/>
             </a:pPr>
             <a:r>
-              <a:rPr b="0" lang="en-US" sz="1800" spc="-1" strike="noStrike">
+              <a:rPr b="0" lang="en-US" sz="2800" spc="-1" strike="noStrike">
                 <a:solidFill>
                   <a:srgbClr val="000000"/>
                 </a:solidFill>
@@ -10818,7 +10846,7 @@
               </a:rPr>
               <a:t>Second Outline Level</a:t>
             </a:r>
-            <a:endParaRPr b="0" lang="en-US" sz="1800" spc="-1" strike="noStrike">
+            <a:endParaRPr b="0" lang="en-US" sz="2800" spc="-1" strike="noStrike">
               <a:solidFill>
                 <a:srgbClr val="000000"/>
               </a:solidFill>
@@ -10840,7 +10868,7 @@
               <a:buChar char=""/>
             </a:pPr>
             <a:r>
-              <a:rPr b="0" lang="en-US" sz="1800" spc="-1" strike="noStrike">
+              <a:rPr b="0" lang="en-US" sz="2400" spc="-1" strike="noStrike">
                 <a:solidFill>
                   <a:srgbClr val="000000"/>
                 </a:solidFill>
@@ -10853,7 +10881,7 @@
               </a:rPr>
               <a:t>Third Outline Level</a:t>
             </a:r>
-            <a:endParaRPr b="0" lang="en-US" sz="1800" spc="-1" strike="noStrike">
+            <a:endParaRPr b="0" lang="en-US" sz="2400" spc="-1" strike="noStrike">
               <a:solidFill>
                 <a:srgbClr val="000000"/>
               </a:solidFill>
@@ -10875,7 +10903,7 @@
               <a:buChar char=""/>
             </a:pPr>
             <a:r>
-              <a:rPr b="0" lang="en-US" sz="1800" spc="-1" strike="noStrike">
+              <a:rPr b="0" lang="en-US" sz="2000" spc="-1" strike="noStrike">
                 <a:solidFill>
                   <a:srgbClr val="000000"/>
                 </a:solidFill>
@@ -10888,7 +10916,7 @@
               </a:rPr>
               <a:t>Fourth Outline Level</a:t>
             </a:r>
-            <a:endParaRPr b="0" lang="en-US" sz="1800" spc="-1" strike="noStrike">
+            <a:endParaRPr b="0" lang="en-US" sz="2000" spc="-1" strike="noStrike">
               <a:solidFill>
                 <a:srgbClr val="000000"/>
               </a:solidFill>
@@ -10910,7 +10938,7 @@
               <a:buChar char=""/>
             </a:pPr>
             <a:r>
-              <a:rPr b="0" lang="en-US" sz="1800" spc="-1" strike="noStrike">
+              <a:rPr b="0" lang="en-US" sz="2000" spc="-1" strike="noStrike">
                 <a:solidFill>
                   <a:srgbClr val="000000"/>
                 </a:solidFill>
@@ -10923,7 +10951,7 @@
               </a:rPr>
               <a:t>Fifth Outline Level</a:t>
             </a:r>
-            <a:endParaRPr b="0" lang="en-US" sz="1800" spc="-1" strike="noStrike">
+            <a:endParaRPr b="0" lang="en-US" sz="2000" spc="-1" strike="noStrike">
               <a:solidFill>
                 <a:srgbClr val="000000"/>
               </a:solidFill>
@@ -10945,7 +10973,7 @@
               <a:buChar char=""/>
             </a:pPr>
             <a:r>
-              <a:rPr b="0" lang="en-US" sz="1800" spc="-1" strike="noStrike">
+              <a:rPr b="0" lang="en-US" sz="2000" spc="-1" strike="noStrike">
                 <a:solidFill>
                   <a:srgbClr val="000000"/>
                 </a:solidFill>
@@ -10958,7 +10986,7 @@
               </a:rPr>
               <a:t>Sixth Outline Level</a:t>
             </a:r>
-            <a:endParaRPr b="0" lang="en-US" sz="1800" spc="-1" strike="noStrike">
+            <a:endParaRPr b="0" lang="en-US" sz="2000" spc="-1" strike="noStrike">
               <a:solidFill>
                 <a:srgbClr val="000000"/>
               </a:solidFill>
@@ -10980,7 +11008,7 @@
               <a:buChar char=""/>
             </a:pPr>
             <a:r>
-              <a:rPr b="0" lang="en-US" sz="1800" spc="-1" strike="noStrike">
+              <a:rPr b="0" lang="en-US" sz="2000" spc="-1" strike="noStrike">
                 <a:solidFill>
                   <a:srgbClr val="000000"/>
                 </a:solidFill>
@@ -10993,7 +11021,7 @@
               </a:rPr>
               <a:t>Seventh Outline Level</a:t>
             </a:r>
-            <a:endParaRPr b="0" lang="en-US" sz="1800" spc="-1" strike="noStrike">
+            <a:endParaRPr b="0" lang="en-US" sz="2000" spc="-1" strike="noStrike">
               <a:solidFill>
                 <a:srgbClr val="000000"/>
               </a:solidFill>
@@ -11060,7 +11088,7 @@
         <p:spPr>
           <a:xfrm>
             <a:off x="0" y="1737360"/>
-            <a:ext cx="10078920" cy="1461960"/>
+            <a:ext cx="10078560" cy="1461600"/>
           </a:xfrm>
           <a:prstGeom prst="rect">
             <a:avLst/>
@@ -11122,7 +11150,7 @@
         <p:spPr>
           <a:xfrm>
             <a:off x="1445760" y="4245120"/>
-            <a:ext cx="7187760" cy="2302560"/>
+            <a:ext cx="7187400" cy="2302200"/>
           </a:xfrm>
           <a:prstGeom prst="rect">
             <a:avLst/>
@@ -11250,7 +11278,7 @@
         <p:spPr>
           <a:xfrm>
             <a:off x="3657600" y="5209920"/>
-            <a:ext cx="179640" cy="426240"/>
+            <a:ext cx="179280" cy="425880"/>
           </a:xfrm>
           <a:prstGeom prst="rect">
             <a:avLst/>
@@ -11318,14 +11346,14 @@
       </p:grpSpPr>
       <p:sp>
         <p:nvSpPr>
-          <p:cNvPr id="235" name="CustomShape 1"/>
+          <p:cNvPr id="236" name="CustomShape 1"/>
           <p:cNvSpPr/>
           <p:nvPr/>
         </p:nvSpPr>
         <p:spPr>
           <a:xfrm>
             <a:off x="0" y="0"/>
-            <a:ext cx="10078920" cy="1562400"/>
+            <a:ext cx="10078560" cy="1562040"/>
           </a:xfrm>
           <a:prstGeom prst="rect">
             <a:avLst/>
@@ -11382,14 +11410,14 @@
       </p:sp>
       <p:sp>
         <p:nvSpPr>
-          <p:cNvPr id="236" name="CustomShape 2"/>
+          <p:cNvPr id="237" name="CustomShape 2"/>
           <p:cNvSpPr/>
           <p:nvPr/>
         </p:nvSpPr>
         <p:spPr>
           <a:xfrm>
             <a:off x="1097280" y="2350800"/>
-            <a:ext cx="7907400" cy="4143240"/>
+            <a:ext cx="7907040" cy="4142880"/>
           </a:xfrm>
           <a:prstGeom prst="rect">
             <a:avLst/>
@@ -11482,14 +11510,14 @@
       </p:sp>
       <p:sp>
         <p:nvSpPr>
-          <p:cNvPr id="237" name="CustomShape 3"/>
+          <p:cNvPr id="238" name="CustomShape 3"/>
           <p:cNvSpPr/>
           <p:nvPr/>
         </p:nvSpPr>
         <p:spPr>
           <a:xfrm>
             <a:off x="457200" y="1870560"/>
-            <a:ext cx="2102040" cy="1334520"/>
+            <a:ext cx="2101680" cy="1334160"/>
           </a:xfrm>
           <a:prstGeom prst="rect">
             <a:avLst/>
@@ -11539,14 +11567,14 @@
       </p:sp>
       <p:sp>
         <p:nvSpPr>
-          <p:cNvPr id="238" name="CustomShape 4"/>
+          <p:cNvPr id="239" name="CustomShape 4"/>
           <p:cNvSpPr/>
           <p:nvPr/>
         </p:nvSpPr>
         <p:spPr>
           <a:xfrm>
             <a:off x="9144000" y="5558400"/>
-            <a:ext cx="639000" cy="1334520"/>
+            <a:ext cx="638640" cy="1334160"/>
           </a:xfrm>
           <a:prstGeom prst="rect">
             <a:avLst/>
@@ -11645,14 +11673,14 @@
       </p:grpSpPr>
       <p:sp>
         <p:nvSpPr>
-          <p:cNvPr id="239" name="CustomShape 1"/>
+          <p:cNvPr id="240" name="CustomShape 1"/>
           <p:cNvSpPr/>
           <p:nvPr/>
         </p:nvSpPr>
         <p:spPr>
           <a:xfrm>
             <a:off x="0" y="0"/>
-            <a:ext cx="10078920" cy="1562400"/>
+            <a:ext cx="10078560" cy="1562040"/>
           </a:xfrm>
           <a:prstGeom prst="rect">
             <a:avLst/>
@@ -11709,14 +11737,14 @@
       </p:sp>
       <p:sp>
         <p:nvSpPr>
-          <p:cNvPr id="240" name="CustomShape 2"/>
+          <p:cNvPr id="241" name="CustomShape 2"/>
           <p:cNvSpPr/>
           <p:nvPr/>
         </p:nvSpPr>
         <p:spPr>
           <a:xfrm>
             <a:off x="504000" y="2021040"/>
-            <a:ext cx="9070560" cy="4383360"/>
+            <a:ext cx="9070200" cy="4383000"/>
           </a:xfrm>
           <a:prstGeom prst="rect">
             <a:avLst/>
@@ -11735,7 +11763,7 @@
         <p:txBody>
           <a:bodyPr lIns="0" rIns="0" tIns="0" bIns="0" anchor="ctr"/>
           <a:p>
-            <a:pPr marL="237600" indent="-254880" algn="ctr">
+            <a:pPr marL="237600" indent="-254520" algn="ctr">
               <a:lnSpc>
                 <a:spcPct val="100000"/>
               </a:lnSpc>
@@ -11827,14 +11855,14 @@
       </p:grpSpPr>
       <p:sp>
         <p:nvSpPr>
-          <p:cNvPr id="241" name="CustomShape 1"/>
+          <p:cNvPr id="242" name="CustomShape 1"/>
           <p:cNvSpPr/>
           <p:nvPr/>
         </p:nvSpPr>
         <p:spPr>
           <a:xfrm>
             <a:off x="0" y="0"/>
-            <a:ext cx="10078920" cy="7247520"/>
+            <a:ext cx="10078560" cy="7247160"/>
           </a:xfrm>
           <a:prstGeom prst="rect">
             <a:avLst/>
@@ -11945,14 +11973,14 @@
       </p:grpSpPr>
       <p:sp>
         <p:nvSpPr>
-          <p:cNvPr id="242" name="CustomShape 1"/>
+          <p:cNvPr id="243" name="CustomShape 1"/>
           <p:cNvSpPr/>
           <p:nvPr/>
         </p:nvSpPr>
         <p:spPr>
           <a:xfrm>
             <a:off x="0" y="0"/>
-            <a:ext cx="10078920" cy="7247520"/>
+            <a:ext cx="10078560" cy="7247160"/>
           </a:xfrm>
           <a:prstGeom prst="rect">
             <a:avLst/>
@@ -12063,14 +12091,14 @@
       </p:grpSpPr>
       <p:sp>
         <p:nvSpPr>
-          <p:cNvPr id="243" name="CustomShape 1"/>
+          <p:cNvPr id="244" name="CustomShape 1"/>
           <p:cNvSpPr/>
           <p:nvPr/>
         </p:nvSpPr>
         <p:spPr>
           <a:xfrm rot="19577400">
             <a:off x="-1598400" y="155520"/>
-            <a:ext cx="12970440" cy="6667920"/>
+            <a:ext cx="12970080" cy="6667560"/>
           </a:xfrm>
           <a:prstGeom prst="rect">
             <a:avLst/>
@@ -12174,14 +12202,14 @@
       </p:grpSpPr>
       <p:sp>
         <p:nvSpPr>
-          <p:cNvPr id="244" name="CustomShape 1"/>
+          <p:cNvPr id="245" name="CustomShape 1"/>
           <p:cNvSpPr/>
           <p:nvPr/>
         </p:nvSpPr>
         <p:spPr>
           <a:xfrm>
             <a:off x="0" y="0"/>
-            <a:ext cx="10078920" cy="1562400"/>
+            <a:ext cx="10078560" cy="1562040"/>
           </a:xfrm>
           <a:prstGeom prst="rect">
             <a:avLst/>
@@ -12238,14 +12266,14 @@
       </p:sp>
       <p:sp>
         <p:nvSpPr>
-          <p:cNvPr id="245" name="CustomShape 2"/>
+          <p:cNvPr id="246" name="CustomShape 2"/>
           <p:cNvSpPr/>
           <p:nvPr/>
         </p:nvSpPr>
         <p:spPr>
           <a:xfrm>
             <a:off x="504000" y="2021040"/>
-            <a:ext cx="9070560" cy="4383360"/>
+            <a:ext cx="9070200" cy="4383000"/>
           </a:xfrm>
           <a:prstGeom prst="rect">
             <a:avLst/>
@@ -12446,14 +12474,14 @@
       </p:grpSpPr>
       <p:sp>
         <p:nvSpPr>
-          <p:cNvPr id="246" name="CustomShape 1"/>
+          <p:cNvPr id="247" name="CustomShape 1"/>
           <p:cNvSpPr/>
           <p:nvPr/>
         </p:nvSpPr>
         <p:spPr>
           <a:xfrm>
             <a:off x="0" y="0"/>
-            <a:ext cx="10078920" cy="1562400"/>
+            <a:ext cx="10078560" cy="1562040"/>
           </a:xfrm>
           <a:prstGeom prst="rect">
             <a:avLst/>
@@ -12510,14 +12538,14 @@
       </p:sp>
       <p:sp>
         <p:nvSpPr>
-          <p:cNvPr id="247" name="CustomShape 2"/>
+          <p:cNvPr id="248" name="CustomShape 2"/>
           <p:cNvSpPr/>
           <p:nvPr/>
         </p:nvSpPr>
         <p:spPr>
           <a:xfrm>
             <a:off x="1097280" y="2350800"/>
-            <a:ext cx="7907400" cy="1762920"/>
+            <a:ext cx="7907040" cy="1762560"/>
           </a:xfrm>
           <a:prstGeom prst="rect">
             <a:avLst/>
@@ -12569,14 +12597,14 @@
       </p:sp>
       <p:sp>
         <p:nvSpPr>
-          <p:cNvPr id="248" name="CustomShape 3"/>
+          <p:cNvPr id="249" name="CustomShape 3"/>
           <p:cNvSpPr/>
           <p:nvPr/>
         </p:nvSpPr>
         <p:spPr>
           <a:xfrm>
             <a:off x="457200" y="1870560"/>
-            <a:ext cx="2102040" cy="1334520"/>
+            <a:ext cx="2101680" cy="1334160"/>
           </a:xfrm>
           <a:prstGeom prst="rect">
             <a:avLst/>
@@ -12626,14 +12654,14 @@
       </p:sp>
       <p:sp>
         <p:nvSpPr>
-          <p:cNvPr id="249" name="CustomShape 4"/>
+          <p:cNvPr id="250" name="CustomShape 4"/>
           <p:cNvSpPr/>
           <p:nvPr/>
         </p:nvSpPr>
         <p:spPr>
           <a:xfrm>
             <a:off x="9144000" y="3146400"/>
-            <a:ext cx="639000" cy="1334520"/>
+            <a:ext cx="638640" cy="1334160"/>
           </a:xfrm>
           <a:prstGeom prst="rect">
             <a:avLst/>
@@ -12683,14 +12711,14 @@
       </p:sp>
       <p:sp>
         <p:nvSpPr>
-          <p:cNvPr id="250" name="CustomShape 5"/>
+          <p:cNvPr id="251" name="CustomShape 5"/>
           <p:cNvSpPr/>
           <p:nvPr/>
         </p:nvSpPr>
         <p:spPr>
           <a:xfrm>
             <a:off x="1097280" y="4630320"/>
-            <a:ext cx="7862760" cy="2302560"/>
+            <a:ext cx="7862400" cy="2302200"/>
           </a:xfrm>
           <a:prstGeom prst="rect">
             <a:avLst/>
@@ -12794,14 +12822,14 @@
       </p:grpSpPr>
       <p:sp>
         <p:nvSpPr>
-          <p:cNvPr id="251" name="CustomShape 1"/>
+          <p:cNvPr id="252" name="CustomShape 1"/>
           <p:cNvSpPr/>
           <p:nvPr/>
         </p:nvSpPr>
         <p:spPr>
           <a:xfrm>
             <a:off x="0" y="0"/>
-            <a:ext cx="10078920" cy="1562400"/>
+            <a:ext cx="10078560" cy="1562040"/>
           </a:xfrm>
           <a:prstGeom prst="rect">
             <a:avLst/>
@@ -12858,14 +12886,14 @@
       </p:sp>
       <p:sp>
         <p:nvSpPr>
-          <p:cNvPr id="252" name="CustomShape 2"/>
+          <p:cNvPr id="253" name="CustomShape 2"/>
           <p:cNvSpPr/>
           <p:nvPr/>
         </p:nvSpPr>
         <p:spPr>
           <a:xfrm>
             <a:off x="504000" y="2021040"/>
-            <a:ext cx="9070560" cy="4383360"/>
+            <a:ext cx="9070200" cy="4383000"/>
           </a:xfrm>
           <a:prstGeom prst="rect">
             <a:avLst/>
@@ -13068,14 +13096,14 @@
       </p:grpSpPr>
       <p:sp>
         <p:nvSpPr>
-          <p:cNvPr id="253" name="CustomShape 1"/>
+          <p:cNvPr id="254" name="CustomShape 1"/>
           <p:cNvSpPr/>
           <p:nvPr/>
         </p:nvSpPr>
         <p:spPr>
           <a:xfrm>
             <a:off x="0" y="0"/>
-            <a:ext cx="10078920" cy="7247520"/>
+            <a:ext cx="10078560" cy="7247160"/>
           </a:xfrm>
           <a:prstGeom prst="rect">
             <a:avLst/>
@@ -13186,14 +13214,14 @@
       </p:grpSpPr>
       <p:sp>
         <p:nvSpPr>
-          <p:cNvPr id="254" name="CustomShape 1"/>
+          <p:cNvPr id="255" name="CustomShape 1"/>
           <p:cNvSpPr/>
           <p:nvPr/>
         </p:nvSpPr>
         <p:spPr>
           <a:xfrm>
             <a:off x="0" y="0"/>
-            <a:ext cx="10078920" cy="7247520"/>
+            <a:ext cx="10078560" cy="7247160"/>
           </a:xfrm>
           <a:prstGeom prst="rect">
             <a:avLst/>
@@ -13304,7 +13332,7 @@
         <p:spPr>
           <a:xfrm>
             <a:off x="0" y="4389120"/>
-            <a:ext cx="10078920" cy="3169800"/>
+            <a:ext cx="10078560" cy="3169440"/>
           </a:xfrm>
           <a:prstGeom prst="rect">
             <a:avLst/>
@@ -13332,7 +13360,7 @@
         <p:spPr>
           <a:xfrm>
             <a:off x="842400" y="3200400"/>
-            <a:ext cx="2376360" cy="2376360"/>
+            <a:ext cx="2376000" cy="2376000"/>
           </a:xfrm>
           <a:prstGeom prst="ellipse">
             <a:avLst/>
@@ -13399,7 +13427,7 @@
         <p:spPr>
           <a:xfrm>
             <a:off x="3363840" y="4558320"/>
-            <a:ext cx="6510600" cy="1473120"/>
+            <a:ext cx="6510240" cy="1472760"/>
           </a:xfrm>
           <a:prstGeom prst="rect">
             <a:avLst/>
@@ -13419,7 +13447,7 @@
           <a:bodyPr lIns="90000" rIns="90000" tIns="45000" bIns="45000"/>
           <a:p>
             <a:r>
-              <a:rPr b="0" i="1" lang="en-US" sz="4000" spc="-143" strike="noStrike">
+              <a:rPr b="0" i="1" lang="en-US" sz="4000" spc="-140" strike="noStrike">
                 <a:solidFill>
                   <a:srgbClr val="ffffff"/>
                 </a:solidFill>
@@ -13505,14 +13533,14 @@
       </p:grpSpPr>
       <p:sp>
         <p:nvSpPr>
-          <p:cNvPr id="255" name="CustomShape 1"/>
+          <p:cNvPr id="256" name="CustomShape 1"/>
           <p:cNvSpPr/>
           <p:nvPr/>
         </p:nvSpPr>
         <p:spPr>
           <a:xfrm>
             <a:off x="0" y="0"/>
-            <a:ext cx="10078920" cy="7247520"/>
+            <a:ext cx="10078560" cy="7247160"/>
           </a:xfrm>
           <a:prstGeom prst="rect">
             <a:avLst/>
@@ -13567,14 +13595,14 @@
       </p:sp>
       <p:sp>
         <p:nvSpPr>
-          <p:cNvPr id="256" name="CustomShape 2"/>
+          <p:cNvPr id="257" name="CustomShape 2"/>
           <p:cNvSpPr/>
           <p:nvPr/>
         </p:nvSpPr>
         <p:spPr>
           <a:xfrm>
             <a:off x="970920" y="5394960"/>
-            <a:ext cx="8137080" cy="711360"/>
+            <a:ext cx="8136720" cy="711000"/>
           </a:xfrm>
           <a:prstGeom prst="rect">
             <a:avLst/>
@@ -13678,14 +13706,14 @@
       </p:grpSpPr>
       <p:sp>
         <p:nvSpPr>
-          <p:cNvPr id="257" name="CustomShape 1"/>
+          <p:cNvPr id="258" name="CustomShape 1"/>
           <p:cNvSpPr/>
           <p:nvPr/>
         </p:nvSpPr>
         <p:spPr>
           <a:xfrm>
             <a:off x="0" y="0"/>
-            <a:ext cx="10078920" cy="1562400"/>
+            <a:ext cx="10078560" cy="1562040"/>
           </a:xfrm>
           <a:prstGeom prst="rect">
             <a:avLst/>
@@ -13742,14 +13770,14 @@
       </p:sp>
       <p:sp>
         <p:nvSpPr>
-          <p:cNvPr id="258" name="CustomShape 2"/>
+          <p:cNvPr id="259" name="CustomShape 2"/>
           <p:cNvSpPr/>
           <p:nvPr/>
         </p:nvSpPr>
         <p:spPr>
           <a:xfrm>
             <a:off x="504000" y="2021040"/>
-            <a:ext cx="9070560" cy="4383360"/>
+            <a:ext cx="9070200" cy="4383000"/>
           </a:xfrm>
           <a:prstGeom prst="rect">
             <a:avLst/>
@@ -13853,14 +13881,14 @@
       </p:grpSpPr>
       <p:sp>
         <p:nvSpPr>
-          <p:cNvPr id="259" name="CustomShape 1"/>
+          <p:cNvPr id="260" name="CustomShape 1"/>
           <p:cNvSpPr/>
           <p:nvPr/>
         </p:nvSpPr>
         <p:spPr>
           <a:xfrm>
             <a:off x="0" y="0"/>
-            <a:ext cx="10078920" cy="1562400"/>
+            <a:ext cx="10078560" cy="1562040"/>
           </a:xfrm>
           <a:prstGeom prst="rect">
             <a:avLst/>
@@ -13917,14 +13945,14 @@
       </p:sp>
       <p:sp>
         <p:nvSpPr>
-          <p:cNvPr id="260" name="CustomShape 2"/>
+          <p:cNvPr id="261" name="CustomShape 2"/>
           <p:cNvSpPr/>
           <p:nvPr/>
         </p:nvSpPr>
         <p:spPr>
           <a:xfrm>
             <a:off x="504000" y="2021040"/>
-            <a:ext cx="9070560" cy="4383360"/>
+            <a:ext cx="9070200" cy="4383000"/>
           </a:xfrm>
           <a:prstGeom prst="rect">
             <a:avLst/>
@@ -14028,14 +14056,14 @@
       </p:grpSpPr>
       <p:sp>
         <p:nvSpPr>
-          <p:cNvPr id="261" name="CustomShape 1"/>
+          <p:cNvPr id="262" name="CustomShape 1"/>
           <p:cNvSpPr/>
           <p:nvPr/>
         </p:nvSpPr>
         <p:spPr>
           <a:xfrm>
             <a:off x="0" y="0"/>
-            <a:ext cx="10078920" cy="1562400"/>
+            <a:ext cx="10078560" cy="1562040"/>
           </a:xfrm>
           <a:prstGeom prst="rect">
             <a:avLst/>
@@ -14092,14 +14120,14 @@
       </p:sp>
       <p:sp>
         <p:nvSpPr>
-          <p:cNvPr id="262" name="CustomShape 2"/>
+          <p:cNvPr id="263" name="CustomShape 2"/>
           <p:cNvSpPr/>
           <p:nvPr/>
         </p:nvSpPr>
         <p:spPr>
           <a:xfrm>
             <a:off x="504000" y="2021040"/>
-            <a:ext cx="9070560" cy="4744440"/>
+            <a:ext cx="9070200" cy="4744080"/>
           </a:xfrm>
           <a:prstGeom prst="rect">
             <a:avLst/>
@@ -14118,7 +14146,7 @@
         <p:txBody>
           <a:bodyPr lIns="0" rIns="0" tIns="0" bIns="0"/>
           <a:p>
-            <a:pPr marL="432000" indent="-322920">
+            <a:pPr marL="432000" indent="-322560">
               <a:lnSpc>
                 <a:spcPct val="100000"/>
               </a:lnSpc>
@@ -14157,7 +14185,7 @@
             </a:endParaRPr>
           </a:p>
           <a:p>
-            <a:pPr marL="432000" indent="-322920">
+            <a:pPr marL="432000" indent="-322560">
               <a:lnSpc>
                 <a:spcPct val="100000"/>
               </a:lnSpc>
@@ -14211,7 +14239,7 @@
             </a:endParaRPr>
           </a:p>
           <a:p>
-            <a:pPr marL="432000" indent="-322920">
+            <a:pPr marL="432000" indent="-322560">
               <a:lnSpc>
                 <a:spcPct val="100000"/>
               </a:lnSpc>
@@ -14250,7 +14278,7 @@
             </a:endParaRPr>
           </a:p>
           <a:p>
-            <a:pPr marL="432000" indent="-322920">
+            <a:pPr marL="432000" indent="-322560">
               <a:lnSpc>
                 <a:spcPct val="100000"/>
               </a:lnSpc>
@@ -14289,7 +14317,7 @@
             </a:endParaRPr>
           </a:p>
           <a:p>
-            <a:pPr marL="432000" indent="-322920">
+            <a:pPr marL="432000" indent="-322560">
               <a:lnSpc>
                 <a:spcPct val="100000"/>
               </a:lnSpc>
@@ -14328,7 +14356,7 @@
             </a:endParaRPr>
           </a:p>
           <a:p>
-            <a:pPr marL="432000" indent="-322920">
+            <a:pPr marL="432000" indent="-322560">
               <a:lnSpc>
                 <a:spcPct val="100000"/>
               </a:lnSpc>
@@ -14367,7 +14395,7 @@
             </a:endParaRPr>
           </a:p>
           <a:p>
-            <a:pPr marL="432000" indent="-322920">
+            <a:pPr marL="432000" indent="-322560">
               <a:lnSpc>
                 <a:spcPct val="100000"/>
               </a:lnSpc>
@@ -14458,14 +14486,14 @@
       </p:grpSpPr>
       <p:sp>
         <p:nvSpPr>
-          <p:cNvPr id="263" name="CustomShape 1"/>
+          <p:cNvPr id="264" name="CustomShape 1"/>
           <p:cNvSpPr/>
           <p:nvPr/>
         </p:nvSpPr>
         <p:spPr>
           <a:xfrm>
             <a:off x="0" y="0"/>
-            <a:ext cx="10078920" cy="1562400"/>
+            <a:ext cx="10078560" cy="1562040"/>
           </a:xfrm>
           <a:prstGeom prst="rect">
             <a:avLst/>
@@ -14522,14 +14550,14 @@
       </p:sp>
       <p:sp>
         <p:nvSpPr>
-          <p:cNvPr id="264" name="CustomShape 2"/>
+          <p:cNvPr id="265" name="CustomShape 2"/>
           <p:cNvSpPr/>
           <p:nvPr/>
         </p:nvSpPr>
         <p:spPr>
           <a:xfrm>
             <a:off x="504000" y="2021040"/>
-            <a:ext cx="9070560" cy="4653000"/>
+            <a:ext cx="9070200" cy="4652640"/>
           </a:xfrm>
           <a:prstGeom prst="rect">
             <a:avLst/>
@@ -14576,7 +14604,7 @@
             </a:endParaRPr>
           </a:p>
           <a:p>
-            <a:pPr marL="432000" indent="-322920">
+            <a:pPr marL="432000" indent="-322560">
               <a:lnSpc>
                 <a:spcPct val="100000"/>
               </a:lnSpc>
@@ -14733,14 +14761,14 @@
       </p:grpSpPr>
       <p:sp>
         <p:nvSpPr>
-          <p:cNvPr id="265" name="CustomShape 1"/>
+          <p:cNvPr id="266" name="CustomShape 1"/>
           <p:cNvSpPr/>
           <p:nvPr/>
         </p:nvSpPr>
         <p:spPr>
           <a:xfrm>
             <a:off x="0" y="0"/>
-            <a:ext cx="10078920" cy="1562400"/>
+            <a:ext cx="10078560" cy="1562040"/>
           </a:xfrm>
           <a:prstGeom prst="rect">
             <a:avLst/>
@@ -14797,14 +14825,14 @@
       </p:sp>
       <p:sp>
         <p:nvSpPr>
-          <p:cNvPr id="266" name="CustomShape 2"/>
+          <p:cNvPr id="267" name="CustomShape 2"/>
           <p:cNvSpPr/>
           <p:nvPr/>
         </p:nvSpPr>
         <p:spPr>
           <a:xfrm>
             <a:off x="504000" y="2021040"/>
-            <a:ext cx="9070560" cy="4744440"/>
+            <a:ext cx="9070200" cy="4744080"/>
           </a:xfrm>
           <a:prstGeom prst="rect">
             <a:avLst/>
@@ -14823,7 +14851,7 @@
         <p:txBody>
           <a:bodyPr lIns="0" rIns="0" tIns="0" bIns="0"/>
           <a:p>
-            <a:pPr marL="432000" indent="-322920">
+            <a:pPr marL="432000" indent="-322560">
               <a:lnSpc>
                 <a:spcPct val="100000"/>
               </a:lnSpc>
@@ -14914,14 +14942,14 @@
       </p:grpSpPr>
       <p:sp>
         <p:nvSpPr>
-          <p:cNvPr id="267" name="CustomShape 1"/>
+          <p:cNvPr id="268" name="CustomShape 1"/>
           <p:cNvSpPr/>
           <p:nvPr/>
         </p:nvSpPr>
         <p:spPr>
           <a:xfrm>
             <a:off x="0" y="0"/>
-            <a:ext cx="10078920" cy="1562400"/>
+            <a:ext cx="10078560" cy="1562040"/>
           </a:xfrm>
           <a:prstGeom prst="rect">
             <a:avLst/>
@@ -15011,14 +15039,14 @@
       </p:sp>
       <p:sp>
         <p:nvSpPr>
-          <p:cNvPr id="268" name="CustomShape 2"/>
+          <p:cNvPr id="269" name="CustomShape 2"/>
           <p:cNvSpPr/>
           <p:nvPr/>
         </p:nvSpPr>
         <p:spPr>
           <a:xfrm>
             <a:off x="504000" y="2021040"/>
-            <a:ext cx="9070560" cy="4744440"/>
+            <a:ext cx="9070200" cy="4744080"/>
           </a:xfrm>
           <a:prstGeom prst="rect">
             <a:avLst/>
@@ -15037,7 +15065,7 @@
         <p:txBody>
           <a:bodyPr lIns="0" rIns="0" tIns="0" bIns="0"/>
           <a:p>
-            <a:pPr marL="432000" indent="-322920">
+            <a:pPr marL="432000" indent="-322560">
               <a:lnSpc>
                 <a:spcPct val="100000"/>
               </a:lnSpc>
@@ -15076,7 +15104,7 @@
             </a:endParaRPr>
           </a:p>
           <a:p>
-            <a:pPr marL="432000" indent="-322920">
+            <a:pPr marL="432000" indent="-322560">
               <a:lnSpc>
                 <a:spcPct val="100000"/>
               </a:lnSpc>
@@ -15115,7 +15143,7 @@
             </a:endParaRPr>
           </a:p>
           <a:p>
-            <a:pPr marL="432000" indent="-322920">
+            <a:pPr marL="432000" indent="-322560">
               <a:lnSpc>
                 <a:spcPct val="100000"/>
               </a:lnSpc>
@@ -15154,7 +15182,7 @@
             </a:endParaRPr>
           </a:p>
           <a:p>
-            <a:pPr marL="432000" indent="-322920">
+            <a:pPr marL="432000" indent="-322560">
               <a:lnSpc>
                 <a:spcPct val="100000"/>
               </a:lnSpc>
@@ -15193,7 +15221,7 @@
             </a:endParaRPr>
           </a:p>
           <a:p>
-            <a:pPr marL="432000" indent="-322920">
+            <a:pPr marL="432000" indent="-322560">
               <a:lnSpc>
                 <a:spcPct val="100000"/>
               </a:lnSpc>
@@ -15232,7 +15260,7 @@
             </a:endParaRPr>
           </a:p>
           <a:p>
-            <a:pPr marL="432000" indent="-322920">
+            <a:pPr marL="432000" indent="-322560">
               <a:lnSpc>
                 <a:spcPct val="100000"/>
               </a:lnSpc>
@@ -15323,14 +15351,14 @@
       </p:grpSpPr>
       <p:sp>
         <p:nvSpPr>
-          <p:cNvPr id="269" name="CustomShape 1"/>
+          <p:cNvPr id="270" name="CustomShape 1"/>
           <p:cNvSpPr/>
           <p:nvPr/>
         </p:nvSpPr>
         <p:spPr>
           <a:xfrm>
             <a:off x="0" y="0"/>
-            <a:ext cx="10078920" cy="1562400"/>
+            <a:ext cx="10078560" cy="1562040"/>
           </a:xfrm>
           <a:prstGeom prst="rect">
             <a:avLst/>
@@ -15387,14 +15415,14 @@
       </p:sp>
       <p:sp>
         <p:nvSpPr>
-          <p:cNvPr id="270" name="CustomShape 2"/>
+          <p:cNvPr id="271" name="CustomShape 2"/>
           <p:cNvSpPr/>
           <p:nvPr/>
         </p:nvSpPr>
         <p:spPr>
           <a:xfrm>
             <a:off x="504000" y="1990080"/>
-            <a:ext cx="9070560" cy="3290760"/>
+            <a:ext cx="9070200" cy="3290400"/>
           </a:xfrm>
           <a:prstGeom prst="rect">
             <a:avLst/>
@@ -15413,7 +15441,7 @@
         <p:txBody>
           <a:bodyPr lIns="0" rIns="0" tIns="0" bIns="0"/>
           <a:p>
-            <a:pPr marL="432000" indent="-322920">
+            <a:pPr marL="432000" indent="-322560">
               <a:lnSpc>
                 <a:spcPct val="100000"/>
               </a:lnSpc>
@@ -15452,7 +15480,7 @@
             </a:endParaRPr>
           </a:p>
           <a:p>
-            <a:pPr marL="432000" indent="-322920">
+            <a:pPr marL="432000" indent="-322560">
               <a:lnSpc>
                 <a:spcPct val="100000"/>
               </a:lnSpc>
@@ -15491,7 +15519,7 @@
             </a:endParaRPr>
           </a:p>
           <a:p>
-            <a:pPr marL="432000" indent="-322920">
+            <a:pPr marL="432000" indent="-322560">
               <a:lnSpc>
                 <a:spcPct val="100000"/>
               </a:lnSpc>
@@ -15530,7 +15558,7 @@
             </a:endParaRPr>
           </a:p>
           <a:p>
-            <a:pPr marL="432000" indent="-322920">
+            <a:pPr marL="432000" indent="-322560">
               <a:lnSpc>
                 <a:spcPct val="100000"/>
               </a:lnSpc>
@@ -15569,7 +15597,7 @@
             </a:endParaRPr>
           </a:p>
           <a:p>
-            <a:pPr marL="432000" indent="-322920">
+            <a:pPr marL="432000" indent="-322560">
               <a:lnSpc>
                 <a:spcPct val="100000"/>
               </a:lnSpc>
@@ -15608,7 +15636,7 @@
             </a:endParaRPr>
           </a:p>
           <a:p>
-            <a:pPr marL="432000" indent="-322920">
+            <a:pPr marL="432000" indent="-322560">
               <a:lnSpc>
                 <a:spcPct val="100000"/>
               </a:lnSpc>
@@ -15647,7 +15675,7 @@
             </a:endParaRPr>
           </a:p>
           <a:p>
-            <a:pPr marL="432000" indent="-322920">
+            <a:pPr marL="432000" indent="-322560">
               <a:lnSpc>
                 <a:spcPct val="100000"/>
               </a:lnSpc>
@@ -15686,7 +15714,7 @@
             </a:endParaRPr>
           </a:p>
           <a:p>
-            <a:pPr marL="432000" indent="-322920">
+            <a:pPr marL="432000" indent="-322560">
               <a:lnSpc>
                 <a:spcPct val="100000"/>
               </a:lnSpc>
@@ -15725,7 +15753,7 @@
             </a:endParaRPr>
           </a:p>
           <a:p>
-            <a:pPr marL="432000" indent="-322920">
+            <a:pPr marL="432000" indent="-322560">
               <a:lnSpc>
                 <a:spcPct val="100000"/>
               </a:lnSpc>
@@ -15767,14 +15795,14 @@
       </p:sp>
       <p:sp>
         <p:nvSpPr>
-          <p:cNvPr id="271" name="CustomShape 3"/>
+          <p:cNvPr id="272" name="CustomShape 3"/>
           <p:cNvSpPr/>
           <p:nvPr/>
         </p:nvSpPr>
         <p:spPr>
           <a:xfrm>
             <a:off x="274320" y="6009840"/>
-            <a:ext cx="9783720" cy="731160"/>
+            <a:ext cx="9783360" cy="730800"/>
           </a:xfrm>
           <a:prstGeom prst="rect">
             <a:avLst/>
@@ -15809,6 +15837,7 @@
                   </a:solidFill>
                 </a:uFill>
                 <a:latin typeface="Noto Sans"/>
+                <a:ea typeface="DejaVu Sans"/>
               </a:rPr>
               <a:t>...но у меня не было времени :(</a:t>
             </a:r>
@@ -15877,14 +15906,14 @@
       </p:grpSpPr>
       <p:sp>
         <p:nvSpPr>
-          <p:cNvPr id="272" name="CustomShape 1"/>
+          <p:cNvPr id="273" name="CustomShape 1"/>
           <p:cNvSpPr/>
           <p:nvPr/>
         </p:nvSpPr>
         <p:spPr>
           <a:xfrm>
             <a:off x="0" y="0"/>
-            <a:ext cx="10078920" cy="1562400"/>
+            <a:ext cx="10078560" cy="1562040"/>
           </a:xfrm>
           <a:prstGeom prst="rect">
             <a:avLst/>
@@ -15974,14 +16003,14 @@
       </p:sp>
       <p:sp>
         <p:nvSpPr>
-          <p:cNvPr id="273" name="CustomShape 2"/>
+          <p:cNvPr id="274" name="CustomShape 2"/>
           <p:cNvSpPr/>
           <p:nvPr/>
         </p:nvSpPr>
         <p:spPr>
           <a:xfrm>
             <a:off x="457200" y="3131280"/>
-            <a:ext cx="9143280" cy="2376000"/>
+            <a:ext cx="9142920" cy="2375640"/>
           </a:xfrm>
           <a:prstGeom prst="rect">
             <a:avLst/>
@@ -16000,7 +16029,7 @@
         <p:txBody>
           <a:bodyPr lIns="90000" rIns="90000" tIns="45000" bIns="45000"/>
           <a:p>
-            <a:pPr marL="432000" indent="-322920" algn="ctr">
+            <a:pPr marL="432000" indent="-322560" algn="ctr">
               <a:lnSpc>
                 <a:spcPct val="100000"/>
               </a:lnSpc>
@@ -16098,14 +16127,14 @@
       </p:grpSpPr>
       <p:sp>
         <p:nvSpPr>
-          <p:cNvPr id="274" name="CustomShape 1"/>
+          <p:cNvPr id="275" name="CustomShape 1"/>
           <p:cNvSpPr/>
           <p:nvPr/>
         </p:nvSpPr>
         <p:spPr>
           <a:xfrm>
             <a:off x="0" y="0"/>
-            <a:ext cx="10078920" cy="7247520"/>
+            <a:ext cx="10078560" cy="7247160"/>
           </a:xfrm>
           <a:prstGeom prst="rect">
             <a:avLst/>
@@ -16265,14 +16294,14 @@
       </p:grpSpPr>
       <p:sp>
         <p:nvSpPr>
-          <p:cNvPr id="275" name="CustomShape 1"/>
+          <p:cNvPr id="276" name="CustomShape 1"/>
           <p:cNvSpPr/>
           <p:nvPr/>
         </p:nvSpPr>
         <p:spPr>
           <a:xfrm>
             <a:off x="0" y="0"/>
-            <a:ext cx="10078920" cy="1562400"/>
+            <a:ext cx="10078560" cy="1562040"/>
           </a:xfrm>
           <a:prstGeom prst="rect">
             <a:avLst/>
@@ -16329,14 +16358,14 @@
       </p:sp>
       <p:sp>
         <p:nvSpPr>
-          <p:cNvPr id="276" name="CustomShape 2"/>
+          <p:cNvPr id="277" name="CustomShape 2"/>
           <p:cNvSpPr/>
           <p:nvPr/>
         </p:nvSpPr>
         <p:spPr>
           <a:xfrm>
             <a:off x="948960" y="2784960"/>
-            <a:ext cx="8182080" cy="2833920"/>
+            <a:ext cx="8181720" cy="2833560"/>
           </a:xfrm>
           <a:prstGeom prst="rect">
             <a:avLst/>
@@ -16357,7 +16386,7 @@
         <p:txBody>
           <a:bodyPr lIns="0" rIns="0" tIns="0" bIns="0" anchor="ctr"/>
           <a:p>
-            <a:pPr marL="432000" indent="-322920">
+            <a:pPr marL="432000" indent="-322560">
               <a:lnSpc>
                 <a:spcPct val="100000"/>
               </a:lnSpc>
@@ -16429,14 +16458,14 @@
       </p:sp>
       <p:sp>
         <p:nvSpPr>
-          <p:cNvPr id="277" name="CustomShape 3"/>
+          <p:cNvPr id="278" name="CustomShape 3"/>
           <p:cNvSpPr/>
           <p:nvPr/>
         </p:nvSpPr>
         <p:spPr>
           <a:xfrm>
             <a:off x="9144000" y="4694400"/>
-            <a:ext cx="639000" cy="1334520"/>
+            <a:ext cx="638640" cy="1334160"/>
           </a:xfrm>
           <a:prstGeom prst="rect">
             <a:avLst/>
@@ -16486,14 +16515,14 @@
       </p:sp>
       <p:sp>
         <p:nvSpPr>
-          <p:cNvPr id="278" name="CustomShape 4"/>
+          <p:cNvPr id="279" name="CustomShape 4"/>
           <p:cNvSpPr/>
           <p:nvPr/>
         </p:nvSpPr>
         <p:spPr>
           <a:xfrm>
             <a:off x="418320" y="2300040"/>
-            <a:ext cx="639000" cy="1334520"/>
+            <a:ext cx="638640" cy="1334160"/>
           </a:xfrm>
           <a:prstGeom prst="rect">
             <a:avLst/>
@@ -16592,14 +16621,14 @@
       </p:grpSpPr>
       <p:sp>
         <p:nvSpPr>
-          <p:cNvPr id="279" name="CustomShape 1"/>
+          <p:cNvPr id="280" name="CustomShape 1"/>
           <p:cNvSpPr/>
           <p:nvPr/>
         </p:nvSpPr>
         <p:spPr>
           <a:xfrm>
             <a:off x="0" y="0"/>
-            <a:ext cx="10078920" cy="1562400"/>
+            <a:ext cx="10078560" cy="1562040"/>
           </a:xfrm>
           <a:prstGeom prst="rect">
             <a:avLst/>
@@ -16656,14 +16685,14 @@
       </p:sp>
       <p:sp>
         <p:nvSpPr>
-          <p:cNvPr id="280" name="CustomShape 2"/>
+          <p:cNvPr id="281" name="CustomShape 2"/>
           <p:cNvSpPr/>
           <p:nvPr/>
         </p:nvSpPr>
         <p:spPr>
           <a:xfrm>
             <a:off x="504000" y="2021040"/>
-            <a:ext cx="9070560" cy="4383360"/>
+            <a:ext cx="9070200" cy="4383000"/>
           </a:xfrm>
           <a:prstGeom prst="rect">
             <a:avLst/>
@@ -16797,14 +16826,14 @@
       </p:grpSpPr>
       <p:sp>
         <p:nvSpPr>
-          <p:cNvPr id="281" name="CustomShape 1"/>
+          <p:cNvPr id="282" name="CustomShape 1"/>
           <p:cNvSpPr/>
           <p:nvPr/>
         </p:nvSpPr>
         <p:spPr>
           <a:xfrm>
             <a:off x="0" y="0"/>
-            <a:ext cx="10078920" cy="1562400"/>
+            <a:ext cx="10078560" cy="1562040"/>
           </a:xfrm>
           <a:prstGeom prst="rect">
             <a:avLst/>
@@ -16861,14 +16890,14 @@
       </p:sp>
       <p:sp>
         <p:nvSpPr>
-          <p:cNvPr id="282" name="CustomShape 2"/>
+          <p:cNvPr id="283" name="CustomShape 2"/>
           <p:cNvSpPr/>
           <p:nvPr/>
         </p:nvSpPr>
         <p:spPr>
           <a:xfrm>
             <a:off x="1421280" y="2021040"/>
-            <a:ext cx="7237800" cy="4383360"/>
+            <a:ext cx="7237440" cy="4383000"/>
           </a:xfrm>
           <a:prstGeom prst="rect">
             <a:avLst/>
@@ -16887,7 +16916,7 @@
         <p:txBody>
           <a:bodyPr lIns="0" rIns="0" tIns="0" bIns="0" anchor="ctr"/>
           <a:p>
-            <a:pPr marL="216000" indent="-215280">
+            <a:pPr marL="216000" indent="-214920">
               <a:lnSpc>
                 <a:spcPct val="100000"/>
               </a:lnSpc>
@@ -16925,7 +16954,7 @@
             </a:endParaRPr>
           </a:p>
           <a:p>
-            <a:pPr marL="216000" indent="-215280">
+            <a:pPr marL="216000" indent="-214920">
               <a:lnSpc>
                 <a:spcPct val="100000"/>
               </a:lnSpc>
@@ -16963,7 +16992,7 @@
             </a:endParaRPr>
           </a:p>
           <a:p>
-            <a:pPr marL="216000" indent="-215280">
+            <a:pPr marL="216000" indent="-214920">
               <a:lnSpc>
                 <a:spcPct val="100000"/>
               </a:lnSpc>
@@ -17001,7 +17030,7 @@
             </a:endParaRPr>
           </a:p>
           <a:p>
-            <a:pPr marL="216000" indent="-215280">
+            <a:pPr marL="216000" indent="-214920">
               <a:lnSpc>
                 <a:spcPct val="100000"/>
               </a:lnSpc>
@@ -17039,7 +17068,7 @@
             </a:endParaRPr>
           </a:p>
           <a:p>
-            <a:pPr marL="216000" indent="-215280">
+            <a:pPr marL="216000" indent="-214920">
               <a:lnSpc>
                 <a:spcPct val="100000"/>
               </a:lnSpc>
@@ -17077,7 +17106,7 @@
             </a:endParaRPr>
           </a:p>
           <a:p>
-            <a:pPr marL="216000" indent="-215280">
+            <a:pPr marL="216000" indent="-214920">
               <a:lnSpc>
                 <a:spcPct val="100000"/>
               </a:lnSpc>
@@ -17167,14 +17196,14 @@
       </p:grpSpPr>
       <p:sp>
         <p:nvSpPr>
-          <p:cNvPr id="283" name="CustomShape 1"/>
+          <p:cNvPr id="284" name="CustomShape 1"/>
           <p:cNvSpPr/>
           <p:nvPr/>
         </p:nvSpPr>
         <p:spPr>
           <a:xfrm>
             <a:off x="0" y="0"/>
-            <a:ext cx="10078920" cy="1562400"/>
+            <a:ext cx="10078560" cy="1562040"/>
           </a:xfrm>
           <a:prstGeom prst="rect">
             <a:avLst/>
@@ -17231,14 +17260,14 @@
       </p:sp>
       <p:sp>
         <p:nvSpPr>
-          <p:cNvPr id="284" name="CustomShape 2"/>
+          <p:cNvPr id="285" name="CustomShape 2"/>
           <p:cNvSpPr/>
           <p:nvPr/>
         </p:nvSpPr>
         <p:spPr>
           <a:xfrm>
             <a:off x="1421280" y="2021040"/>
-            <a:ext cx="7237800" cy="4383360"/>
+            <a:ext cx="7237440" cy="4383000"/>
           </a:xfrm>
           <a:prstGeom prst="rect">
             <a:avLst/>
@@ -17257,7 +17286,7 @@
         <p:txBody>
           <a:bodyPr lIns="0" rIns="0" tIns="0" bIns="0" anchor="ctr"/>
           <a:p>
-            <a:pPr marL="216000" indent="-215280">
+            <a:pPr marL="216000" indent="-214920">
               <a:lnSpc>
                 <a:spcPct val="100000"/>
               </a:lnSpc>
@@ -17295,7 +17324,7 @@
             </a:endParaRPr>
           </a:p>
           <a:p>
-            <a:pPr marL="216000" indent="-215280">
+            <a:pPr marL="216000" indent="-214920">
               <a:lnSpc>
                 <a:spcPct val="100000"/>
               </a:lnSpc>
@@ -17333,7 +17362,7 @@
             </a:endParaRPr>
           </a:p>
           <a:p>
-            <a:pPr marL="216000" indent="-215280">
+            <a:pPr marL="216000" indent="-214920">
               <a:lnSpc>
                 <a:spcPct val="100000"/>
               </a:lnSpc>
@@ -17371,7 +17400,7 @@
             </a:endParaRPr>
           </a:p>
           <a:p>
-            <a:pPr marL="216000" indent="-215280">
+            <a:pPr marL="216000" indent="-214920">
               <a:lnSpc>
                 <a:spcPct val="100000"/>
               </a:lnSpc>
@@ -17409,7 +17438,7 @@
             </a:endParaRPr>
           </a:p>
           <a:p>
-            <a:pPr marL="216000" indent="-215280">
+            <a:pPr marL="216000" indent="-214920">
               <a:lnSpc>
                 <a:spcPct val="100000"/>
               </a:lnSpc>
@@ -17447,7 +17476,7 @@
             </a:endParaRPr>
           </a:p>
           <a:p>
-            <a:pPr marL="216000" indent="-215280">
+            <a:pPr marL="216000" indent="-214920">
               <a:lnSpc>
                 <a:spcPct val="100000"/>
               </a:lnSpc>
@@ -17537,14 +17566,14 @@
       </p:grpSpPr>
       <p:sp>
         <p:nvSpPr>
-          <p:cNvPr id="285" name="CustomShape 1"/>
+          <p:cNvPr id="286" name="CustomShape 1"/>
           <p:cNvSpPr/>
           <p:nvPr/>
         </p:nvSpPr>
         <p:spPr>
           <a:xfrm>
             <a:off x="0" y="0"/>
-            <a:ext cx="10078920" cy="1562400"/>
+            <a:ext cx="10078560" cy="1562040"/>
           </a:xfrm>
           <a:prstGeom prst="rect">
             <a:avLst/>
@@ -17601,14 +17630,14 @@
       </p:sp>
       <p:sp>
         <p:nvSpPr>
-          <p:cNvPr id="286" name="CustomShape 2"/>
+          <p:cNvPr id="287" name="CustomShape 2"/>
           <p:cNvSpPr/>
           <p:nvPr/>
         </p:nvSpPr>
         <p:spPr>
           <a:xfrm>
             <a:off x="504000" y="2021040"/>
-            <a:ext cx="9070560" cy="4653000"/>
+            <a:ext cx="9070200" cy="4652640"/>
           </a:xfrm>
           <a:prstGeom prst="rect">
             <a:avLst/>
@@ -17707,14 +17736,14 @@
       </p:grpSpPr>
       <p:sp>
         <p:nvSpPr>
-          <p:cNvPr id="287" name="CustomShape 1"/>
+          <p:cNvPr id="288" name="CustomShape 1"/>
           <p:cNvSpPr/>
           <p:nvPr/>
         </p:nvSpPr>
         <p:spPr>
           <a:xfrm>
             <a:off x="0" y="0"/>
-            <a:ext cx="10078920" cy="1562400"/>
+            <a:ext cx="10078560" cy="1562040"/>
           </a:xfrm>
           <a:prstGeom prst="rect">
             <a:avLst/>
@@ -17827,14 +17856,14 @@
       </p:grpSpPr>
       <p:sp>
         <p:nvSpPr>
-          <p:cNvPr id="288" name="CustomShape 1"/>
+          <p:cNvPr id="289" name="CustomShape 1"/>
           <p:cNvSpPr/>
           <p:nvPr/>
         </p:nvSpPr>
         <p:spPr>
           <a:xfrm>
             <a:off x="0" y="0"/>
-            <a:ext cx="10078920" cy="7247520"/>
+            <a:ext cx="10078560" cy="7247160"/>
           </a:xfrm>
           <a:prstGeom prst="rect">
             <a:avLst/>
@@ -17938,14 +17967,14 @@
       </p:grpSpPr>
       <p:sp>
         <p:nvSpPr>
-          <p:cNvPr id="289" name="CustomShape 1"/>
+          <p:cNvPr id="290" name="CustomShape 1"/>
           <p:cNvSpPr/>
           <p:nvPr/>
         </p:nvSpPr>
         <p:spPr>
           <a:xfrm>
             <a:off x="0" y="0"/>
-            <a:ext cx="10078920" cy="1562400"/>
+            <a:ext cx="10078560" cy="1562040"/>
           </a:xfrm>
           <a:prstGeom prst="rect">
             <a:avLst/>
@@ -18002,14 +18031,14 @@
       </p:sp>
       <p:sp>
         <p:nvSpPr>
-          <p:cNvPr id="290" name="CustomShape 2"/>
+          <p:cNvPr id="291" name="CustomShape 2"/>
           <p:cNvSpPr/>
           <p:nvPr/>
         </p:nvSpPr>
         <p:spPr>
           <a:xfrm>
             <a:off x="504000" y="2201040"/>
-            <a:ext cx="9070560" cy="4383360"/>
+            <a:ext cx="9070200" cy="4383000"/>
           </a:xfrm>
           <a:prstGeom prst="rect">
             <a:avLst/>
@@ -18028,7 +18057,7 @@
         <p:txBody>
           <a:bodyPr lIns="0" rIns="0" tIns="0" bIns="0"/>
           <a:p>
-            <a:pPr marL="432000" indent="-322920">
+            <a:pPr marL="432000" indent="-322560">
               <a:lnSpc>
                 <a:spcPct val="100000"/>
               </a:lnSpc>
@@ -18067,7 +18096,7 @@
             </a:endParaRPr>
           </a:p>
           <a:p>
-            <a:pPr marL="432000" indent="-322920">
+            <a:pPr marL="432000" indent="-322560">
               <a:lnSpc>
                 <a:spcPct val="100000"/>
               </a:lnSpc>
@@ -18106,7 +18135,7 @@
             </a:endParaRPr>
           </a:p>
           <a:p>
-            <a:pPr marL="432000" indent="-322920">
+            <a:pPr marL="432000" indent="-322560">
               <a:lnSpc>
                 <a:spcPct val="100000"/>
               </a:lnSpc>
@@ -18193,14 +18222,14 @@
       </p:sp>
       <p:sp>
         <p:nvSpPr>
-          <p:cNvPr id="291" name="CustomShape 3"/>
+          <p:cNvPr id="292" name="CustomShape 3"/>
           <p:cNvSpPr/>
           <p:nvPr/>
         </p:nvSpPr>
         <p:spPr>
           <a:xfrm>
             <a:off x="834120" y="5935320"/>
-            <a:ext cx="8412120" cy="1196640"/>
+            <a:ext cx="8411760" cy="1196280"/>
           </a:xfrm>
           <a:prstGeom prst="rect">
             <a:avLst/>
@@ -18304,14 +18333,14 @@
       </p:grpSpPr>
       <p:sp>
         <p:nvSpPr>
-          <p:cNvPr id="292" name="CustomShape 1"/>
+          <p:cNvPr id="293" name="CustomShape 1"/>
           <p:cNvSpPr/>
           <p:nvPr/>
         </p:nvSpPr>
         <p:spPr>
           <a:xfrm>
             <a:off x="0" y="0"/>
-            <a:ext cx="10078920" cy="1562400"/>
+            <a:ext cx="10078560" cy="1562040"/>
           </a:xfrm>
           <a:prstGeom prst="rect">
             <a:avLst/>
@@ -18368,14 +18397,14 @@
       </p:sp>
       <p:sp>
         <p:nvSpPr>
-          <p:cNvPr id="293" name="CustomShape 2"/>
+          <p:cNvPr id="294" name="CustomShape 2"/>
           <p:cNvSpPr/>
           <p:nvPr/>
         </p:nvSpPr>
         <p:spPr>
           <a:xfrm>
             <a:off x="504000" y="2201040"/>
-            <a:ext cx="9070560" cy="4383360"/>
+            <a:ext cx="9070200" cy="4383000"/>
           </a:xfrm>
           <a:prstGeom prst="rect">
             <a:avLst/>
@@ -18394,7 +18423,7 @@
         <p:txBody>
           <a:bodyPr lIns="0" rIns="0" tIns="0" bIns="0"/>
           <a:p>
-            <a:pPr marL="432000" indent="-322920">
+            <a:pPr marL="432000" indent="-322560">
               <a:lnSpc>
                 <a:spcPct val="100000"/>
               </a:lnSpc>
@@ -18432,7 +18461,7 @@
             </a:endParaRPr>
           </a:p>
           <a:p>
-            <a:pPr marL="432000" indent="-322920">
+            <a:pPr marL="432000" indent="-322560">
               <a:lnSpc>
                 <a:spcPct val="100000"/>
               </a:lnSpc>
@@ -18470,7 +18499,7 @@
             </a:endParaRPr>
           </a:p>
           <a:p>
-            <a:pPr marL="432000" indent="-322920">
+            <a:pPr marL="432000" indent="-322560">
               <a:lnSpc>
                 <a:spcPct val="100000"/>
               </a:lnSpc>
@@ -18508,7 +18537,7 @@
             </a:endParaRPr>
           </a:p>
           <a:p>
-            <a:pPr marL="432000" indent="-322920">
+            <a:pPr marL="432000" indent="-322560">
               <a:lnSpc>
                 <a:spcPct val="100000"/>
               </a:lnSpc>
@@ -18546,7 +18575,7 @@
             </a:endParaRPr>
           </a:p>
           <a:p>
-            <a:pPr marL="432000" indent="-322920">
+            <a:pPr marL="432000" indent="-322560">
               <a:lnSpc>
                 <a:spcPct val="100000"/>
               </a:lnSpc>
@@ -18584,7 +18613,7 @@
             </a:endParaRPr>
           </a:p>
           <a:p>
-            <a:pPr marL="432000" indent="-322920">
+            <a:pPr marL="432000" indent="-322560">
               <a:lnSpc>
                 <a:spcPct val="100000"/>
               </a:lnSpc>
@@ -18625,14 +18654,14 @@
       </p:sp>
       <p:sp>
         <p:nvSpPr>
-          <p:cNvPr id="294" name="CustomShape 3"/>
+          <p:cNvPr id="295" name="CustomShape 3"/>
           <p:cNvSpPr/>
           <p:nvPr/>
         </p:nvSpPr>
         <p:spPr>
           <a:xfrm>
             <a:off x="742680" y="5669280"/>
-            <a:ext cx="8595000" cy="1196640"/>
+            <a:ext cx="8594640" cy="1196280"/>
           </a:xfrm>
           <a:prstGeom prst="rect">
             <a:avLst/>
@@ -18736,14 +18765,14 @@
       </p:grpSpPr>
       <p:sp>
         <p:nvSpPr>
-          <p:cNvPr id="295" name="CustomShape 1"/>
+          <p:cNvPr id="296" name="CustomShape 1"/>
           <p:cNvSpPr/>
           <p:nvPr/>
         </p:nvSpPr>
         <p:spPr>
           <a:xfrm>
             <a:off x="0" y="0"/>
-            <a:ext cx="10078920" cy="1562400"/>
+            <a:ext cx="10078560" cy="1562040"/>
           </a:xfrm>
           <a:prstGeom prst="rect">
             <a:avLst/>
@@ -18856,7 +18885,7 @@
         <p:spPr>
           <a:xfrm>
             <a:off x="0" y="0"/>
-            <a:ext cx="10078920" cy="1562400"/>
+            <a:ext cx="10078560" cy="1562040"/>
           </a:xfrm>
           <a:prstGeom prst="rect">
             <a:avLst/>
@@ -18920,7 +18949,7 @@
         <p:spPr>
           <a:xfrm>
             <a:off x="504000" y="2021040"/>
-            <a:ext cx="9070560" cy="4383360"/>
+            <a:ext cx="9070200" cy="4383000"/>
           </a:xfrm>
           <a:prstGeom prst="rect">
             <a:avLst/>
@@ -19031,14 +19060,14 @@
       </p:grpSpPr>
       <p:sp>
         <p:nvSpPr>
-          <p:cNvPr id="296" name="CustomShape 1"/>
+          <p:cNvPr id="297" name="CustomShape 1"/>
           <p:cNvSpPr/>
           <p:nvPr/>
         </p:nvSpPr>
         <p:spPr>
           <a:xfrm>
             <a:off x="0" y="0"/>
-            <a:ext cx="10078920" cy="7247520"/>
+            <a:ext cx="10078560" cy="7247160"/>
           </a:xfrm>
           <a:prstGeom prst="rect">
             <a:avLst/>
@@ -19142,14 +19171,14 @@
       </p:grpSpPr>
       <p:sp>
         <p:nvSpPr>
-          <p:cNvPr id="297" name="CustomShape 1"/>
+          <p:cNvPr id="298" name="CustomShape 1"/>
           <p:cNvSpPr/>
           <p:nvPr/>
         </p:nvSpPr>
         <p:spPr>
           <a:xfrm>
             <a:off x="0" y="0"/>
-            <a:ext cx="10078920" cy="1562400"/>
+            <a:ext cx="10078560" cy="1562040"/>
           </a:xfrm>
           <a:prstGeom prst="rect">
             <a:avLst/>
@@ -19206,14 +19235,14 @@
       </p:sp>
       <p:sp>
         <p:nvSpPr>
-          <p:cNvPr id="298" name="CustomShape 2"/>
+          <p:cNvPr id="299" name="CustomShape 2"/>
           <p:cNvSpPr/>
           <p:nvPr/>
         </p:nvSpPr>
         <p:spPr>
           <a:xfrm>
             <a:off x="504000" y="2021040"/>
-            <a:ext cx="9070560" cy="4383360"/>
+            <a:ext cx="9070200" cy="4383000"/>
           </a:xfrm>
           <a:prstGeom prst="rect">
             <a:avLst/>
@@ -19232,7 +19261,7 @@
         <p:txBody>
           <a:bodyPr lIns="0" rIns="0" tIns="0" bIns="0"/>
           <a:p>
-            <a:pPr marL="432000" indent="-322920">
+            <a:pPr marL="432000" indent="-322560">
               <a:lnSpc>
                 <a:spcPct val="100000"/>
               </a:lnSpc>
@@ -19271,7 +19300,7 @@
             </a:endParaRPr>
           </a:p>
           <a:p>
-            <a:pPr marL="432000" indent="-322920">
+            <a:pPr marL="432000" indent="-322560">
               <a:lnSpc>
                 <a:spcPct val="100000"/>
               </a:lnSpc>
@@ -19370,7 +19399,7 @@
             </a:endParaRPr>
           </a:p>
           <a:p>
-            <a:pPr marL="432000" indent="-322920">
+            <a:pPr marL="432000" indent="-322560">
               <a:lnSpc>
                 <a:spcPct val="100000"/>
               </a:lnSpc>
@@ -19397,7 +19426,7 @@
               <a:t>Просто A или просто B легко посчитать, потому что каждый из них - это отдельный индекс, </a:t>
             </a:r>
             <a:r>
-              <a:rPr b="0" lang="en-US" sz="3200" spc="-293" strike="noStrike">
+              <a:rPr b="0" lang="en-US" sz="3200" spc="-290" strike="noStrike">
                 <a:solidFill>
                   <a:srgbClr val="666666"/>
                 </a:solidFill>
@@ -19491,14 +19520,14 @@
       </p:grpSpPr>
       <p:sp>
         <p:nvSpPr>
-          <p:cNvPr id="299" name="CustomShape 1"/>
+          <p:cNvPr id="300" name="CustomShape 1"/>
           <p:cNvSpPr/>
           <p:nvPr/>
         </p:nvSpPr>
         <p:spPr>
           <a:xfrm>
             <a:off x="0" y="0"/>
-            <a:ext cx="10078920" cy="1562400"/>
+            <a:ext cx="10078560" cy="1562040"/>
           </a:xfrm>
           <a:prstGeom prst="rect">
             <a:avLst/>
@@ -19555,14 +19584,14 @@
       </p:sp>
       <p:sp>
         <p:nvSpPr>
-          <p:cNvPr id="300" name="CustomShape 2"/>
+          <p:cNvPr id="301" name="CustomShape 2"/>
           <p:cNvSpPr/>
           <p:nvPr/>
         </p:nvSpPr>
         <p:spPr>
           <a:xfrm>
             <a:off x="504000" y="2021040"/>
-            <a:ext cx="9070560" cy="4383360"/>
+            <a:ext cx="9070200" cy="4383000"/>
           </a:xfrm>
           <a:prstGeom prst="rect">
             <a:avLst/>
@@ -19784,7 +19813,7 @@
             </a:endParaRPr>
           </a:p>
           <a:p>
-            <a:pPr lvl="1" marL="864000" indent="-322920">
+            <a:pPr lvl="1" marL="864000" indent="-322560">
               <a:lnSpc>
                 <a:spcPct val="100000"/>
               </a:lnSpc>
@@ -19823,7 +19852,7 @@
             </a:endParaRPr>
           </a:p>
           <a:p>
-            <a:pPr lvl="1" marL="864000" indent="-322920">
+            <a:pPr lvl="1" marL="864000" indent="-322560">
               <a:lnSpc>
                 <a:spcPct val="100000"/>
               </a:lnSpc>
@@ -19914,14 +19943,14 @@
       </p:grpSpPr>
       <p:sp>
         <p:nvSpPr>
-          <p:cNvPr id="301" name="CustomShape 1"/>
+          <p:cNvPr id="302" name="CustomShape 1"/>
           <p:cNvSpPr/>
           <p:nvPr/>
         </p:nvSpPr>
         <p:spPr>
           <a:xfrm>
             <a:off x="0" y="0"/>
-            <a:ext cx="10078920" cy="1562400"/>
+            <a:ext cx="10078560" cy="1562040"/>
           </a:xfrm>
           <a:prstGeom prst="rect">
             <a:avLst/>
@@ -19978,14 +20007,14 @@
       </p:sp>
       <p:sp>
         <p:nvSpPr>
-          <p:cNvPr id="302" name="CustomShape 2"/>
+          <p:cNvPr id="303" name="CustomShape 2"/>
           <p:cNvSpPr/>
           <p:nvPr/>
         </p:nvSpPr>
         <p:spPr>
           <a:xfrm>
             <a:off x="504000" y="2021040"/>
-            <a:ext cx="9070560" cy="4383360"/>
+            <a:ext cx="9070200" cy="4383000"/>
           </a:xfrm>
           <a:prstGeom prst="rect">
             <a:avLst/>
@@ -20206,14 +20235,14 @@
       </p:grpSpPr>
       <p:sp>
         <p:nvSpPr>
-          <p:cNvPr id="303" name="CustomShape 1"/>
+          <p:cNvPr id="304" name="CustomShape 1"/>
           <p:cNvSpPr/>
           <p:nvPr/>
         </p:nvSpPr>
         <p:spPr>
           <a:xfrm>
             <a:off x="0" y="0"/>
-            <a:ext cx="10078920" cy="1562400"/>
+            <a:ext cx="10078560" cy="1562040"/>
           </a:xfrm>
           <a:prstGeom prst="rect">
             <a:avLst/>
@@ -20270,14 +20299,14 @@
       </p:sp>
       <p:sp>
         <p:nvSpPr>
-          <p:cNvPr id="304" name="CustomShape 2"/>
+          <p:cNvPr id="305" name="CustomShape 2"/>
           <p:cNvSpPr/>
           <p:nvPr/>
         </p:nvSpPr>
         <p:spPr>
           <a:xfrm>
             <a:off x="1355040" y="2021040"/>
-            <a:ext cx="7369920" cy="4383360"/>
+            <a:ext cx="7369560" cy="4383000"/>
           </a:xfrm>
           <a:prstGeom prst="rect">
             <a:avLst/>
@@ -20324,7 +20353,7 @@
             </a:endParaRPr>
           </a:p>
           <a:p>
-            <a:pPr marL="274320" indent="-273600">
+            <a:pPr marL="274320" indent="-273240">
               <a:lnSpc>
                 <a:spcPct val="100000"/>
               </a:lnSpc>
@@ -20342,7 +20371,7 @@
             </a:endParaRPr>
           </a:p>
           <a:p>
-            <a:pPr marL="274320" indent="-273600">
+            <a:pPr marL="274320" indent="-273240">
               <a:lnSpc>
                 <a:spcPct val="100000"/>
               </a:lnSpc>
@@ -20375,7 +20404,7 @@
             </a:endParaRPr>
           </a:p>
           <a:p>
-            <a:pPr marL="274320" indent="-273600">
+            <a:pPr marL="274320" indent="-273240">
               <a:lnSpc>
                 <a:spcPct val="100000"/>
               </a:lnSpc>
@@ -20408,7 +20437,7 @@
             </a:endParaRPr>
           </a:p>
           <a:p>
-            <a:pPr marL="274320" indent="-273600">
+            <a:pPr marL="274320" indent="-273240">
               <a:lnSpc>
                 <a:spcPct val="100000"/>
               </a:lnSpc>
@@ -20426,7 +20455,7 @@
             </a:endParaRPr>
           </a:p>
           <a:p>
-            <a:pPr marL="274320" indent="-273600">
+            <a:pPr marL="274320" indent="-273240">
               <a:lnSpc>
                 <a:spcPct val="100000"/>
               </a:lnSpc>
@@ -20459,7 +20488,7 @@
             </a:endParaRPr>
           </a:p>
           <a:p>
-            <a:pPr marL="274320" indent="-273600">
+            <a:pPr marL="274320" indent="-273240">
               <a:lnSpc>
                 <a:spcPct val="100000"/>
               </a:lnSpc>
@@ -20544,14 +20573,14 @@
       </p:grpSpPr>
       <p:sp>
         <p:nvSpPr>
-          <p:cNvPr id="305" name="CustomShape 1"/>
+          <p:cNvPr id="306" name="CustomShape 1"/>
           <p:cNvSpPr/>
           <p:nvPr/>
         </p:nvSpPr>
         <p:spPr>
           <a:xfrm>
             <a:off x="0" y="0"/>
-            <a:ext cx="10078920" cy="1562400"/>
+            <a:ext cx="10078560" cy="1562040"/>
           </a:xfrm>
           <a:prstGeom prst="rect">
             <a:avLst/>
@@ -20608,14 +20637,14 @@
       </p:sp>
       <p:sp>
         <p:nvSpPr>
-          <p:cNvPr id="306" name="CustomShape 2"/>
+          <p:cNvPr id="307" name="CustomShape 2"/>
           <p:cNvSpPr/>
           <p:nvPr/>
         </p:nvSpPr>
         <p:spPr>
           <a:xfrm>
             <a:off x="1355040" y="2021040"/>
-            <a:ext cx="7369920" cy="4383360"/>
+            <a:ext cx="7369560" cy="4383000"/>
           </a:xfrm>
           <a:prstGeom prst="rect">
             <a:avLst/>
@@ -20662,7 +20691,7 @@
             </a:endParaRPr>
           </a:p>
           <a:p>
-            <a:pPr marL="274320" indent="-273600">
+            <a:pPr marL="274320" indent="-273240">
               <a:lnSpc>
                 <a:spcPct val="100000"/>
               </a:lnSpc>
@@ -20680,7 +20709,7 @@
             </a:endParaRPr>
           </a:p>
           <a:p>
-            <a:pPr marL="274320" indent="-273600">
+            <a:pPr marL="274320" indent="-273240">
               <a:lnSpc>
                 <a:spcPct val="100000"/>
               </a:lnSpc>
@@ -20713,7 +20742,7 @@
             </a:endParaRPr>
           </a:p>
           <a:p>
-            <a:pPr marL="274320" indent="-273600">
+            <a:pPr marL="274320" indent="-273240">
               <a:lnSpc>
                 <a:spcPct val="100000"/>
               </a:lnSpc>
@@ -20731,7 +20760,7 @@
             </a:endParaRPr>
           </a:p>
           <a:p>
-            <a:pPr marL="274320" indent="-273600">
+            <a:pPr marL="274320" indent="-273240">
               <a:lnSpc>
                 <a:spcPct val="100000"/>
               </a:lnSpc>
@@ -20816,14 +20845,14 @@
       </p:grpSpPr>
       <p:sp>
         <p:nvSpPr>
-          <p:cNvPr id="307" name="CustomShape 1"/>
+          <p:cNvPr id="308" name="CustomShape 1"/>
           <p:cNvSpPr/>
           <p:nvPr/>
         </p:nvSpPr>
         <p:spPr>
           <a:xfrm>
             <a:off x="0" y="0"/>
-            <a:ext cx="10078920" cy="1562400"/>
+            <a:ext cx="10078560" cy="1562040"/>
           </a:xfrm>
           <a:prstGeom prst="rect">
             <a:avLst/>
@@ -20936,14 +20965,14 @@
       </p:grpSpPr>
       <p:sp>
         <p:nvSpPr>
-          <p:cNvPr id="308" name="CustomShape 1"/>
+          <p:cNvPr id="309" name="CustomShape 1"/>
           <p:cNvSpPr/>
           <p:nvPr/>
         </p:nvSpPr>
         <p:spPr>
           <a:xfrm>
             <a:off x="0" y="0"/>
-            <a:ext cx="10078920" cy="7247520"/>
+            <a:ext cx="10078560" cy="7247160"/>
           </a:xfrm>
           <a:prstGeom prst="rect">
             <a:avLst/>
@@ -21047,14 +21076,14 @@
       </p:grpSpPr>
       <p:sp>
         <p:nvSpPr>
-          <p:cNvPr id="309" name="CustomShape 1"/>
+          <p:cNvPr id="310" name="CustomShape 1"/>
           <p:cNvSpPr/>
           <p:nvPr/>
         </p:nvSpPr>
         <p:spPr>
           <a:xfrm>
             <a:off x="0" y="0"/>
-            <a:ext cx="10078920" cy="1562400"/>
+            <a:ext cx="10078560" cy="1562040"/>
           </a:xfrm>
           <a:prstGeom prst="rect">
             <a:avLst/>
@@ -21111,14 +21140,14 @@
       </p:sp>
       <p:sp>
         <p:nvSpPr>
-          <p:cNvPr id="310" name="CustomShape 2"/>
+          <p:cNvPr id="311" name="CustomShape 2"/>
           <p:cNvSpPr/>
           <p:nvPr/>
         </p:nvSpPr>
         <p:spPr>
           <a:xfrm>
             <a:off x="504000" y="1768680"/>
-            <a:ext cx="9071280" cy="4383360"/>
+            <a:ext cx="9070920" cy="4383000"/>
           </a:xfrm>
           <a:prstGeom prst="rect">
             <a:avLst/>
@@ -21263,14 +21292,14 @@
       </p:grpSpPr>
       <p:sp>
         <p:nvSpPr>
-          <p:cNvPr id="311" name="CustomShape 1"/>
+          <p:cNvPr id="312" name="CustomShape 1"/>
           <p:cNvSpPr/>
           <p:nvPr/>
         </p:nvSpPr>
         <p:spPr>
           <a:xfrm>
             <a:off x="0" y="0"/>
-            <a:ext cx="10078920" cy="1562400"/>
+            <a:ext cx="10078560" cy="1562040"/>
           </a:xfrm>
           <a:prstGeom prst="rect">
             <a:avLst/>
@@ -21327,14 +21356,14 @@
       </p:sp>
       <p:sp>
         <p:nvSpPr>
-          <p:cNvPr id="312" name="CustomShape 2"/>
+          <p:cNvPr id="313" name="CustomShape 2"/>
           <p:cNvSpPr/>
           <p:nvPr/>
         </p:nvSpPr>
         <p:spPr>
           <a:xfrm>
             <a:off x="504000" y="2201040"/>
-            <a:ext cx="9070560" cy="4383360"/>
+            <a:ext cx="9070200" cy="4383000"/>
           </a:xfrm>
           <a:prstGeom prst="rect">
             <a:avLst/>
@@ -21353,7 +21382,7 @@
         <p:txBody>
           <a:bodyPr lIns="0" rIns="0" tIns="0" bIns="0"/>
           <a:p>
-            <a:pPr marL="432000" indent="-322920">
+            <a:pPr marL="432000" indent="-322560">
               <a:lnSpc>
                 <a:spcPct val="100000"/>
               </a:lnSpc>
@@ -21391,7 +21420,7 @@
             </a:endParaRPr>
           </a:p>
           <a:p>
-            <a:pPr marL="432000" indent="-322920">
+            <a:pPr marL="432000" indent="-322560">
               <a:lnSpc>
                 <a:spcPct val="100000"/>
               </a:lnSpc>
@@ -21429,7 +21458,7 @@
             </a:endParaRPr>
           </a:p>
           <a:p>
-            <a:pPr marL="432000" indent="-322920">
+            <a:pPr marL="432000" indent="-322560">
               <a:lnSpc>
                 <a:spcPct val="100000"/>
               </a:lnSpc>
@@ -21467,7 +21496,7 @@
             </a:endParaRPr>
           </a:p>
           <a:p>
-            <a:pPr marL="432000" indent="-322920">
+            <a:pPr marL="432000" indent="-322560">
               <a:lnSpc>
                 <a:spcPct val="100000"/>
               </a:lnSpc>
@@ -21505,7 +21534,7 @@
             </a:endParaRPr>
           </a:p>
           <a:p>
-            <a:pPr marL="432000" indent="-322920">
+            <a:pPr marL="432000" indent="-322560">
               <a:lnSpc>
                 <a:spcPct val="100000"/>
               </a:lnSpc>
@@ -21602,7 +21631,7 @@
         <p:spPr>
           <a:xfrm>
             <a:off x="0" y="0"/>
-            <a:ext cx="10078920" cy="1562400"/>
+            <a:ext cx="10078560" cy="1562040"/>
           </a:xfrm>
           <a:prstGeom prst="rect">
             <a:avLst/>
@@ -21666,7 +21695,7 @@
         <p:spPr>
           <a:xfrm>
             <a:off x="504000" y="2021040"/>
-            <a:ext cx="9070560" cy="4927320"/>
+            <a:ext cx="9070200" cy="4926960"/>
           </a:xfrm>
           <a:prstGeom prst="rect">
             <a:avLst/>
@@ -21685,7 +21714,7 @@
         <p:txBody>
           <a:bodyPr lIns="0" rIns="0" tIns="0" bIns="0"/>
           <a:p>
-            <a:pPr marL="432000" indent="-322920">
+            <a:pPr marL="432000" indent="-322560">
               <a:lnSpc>
                 <a:spcPct val="100000"/>
               </a:lnSpc>
@@ -21724,7 +21753,7 @@
             </a:endParaRPr>
           </a:p>
           <a:p>
-            <a:pPr marL="432000" indent="-322920">
+            <a:pPr marL="432000" indent="-322560">
               <a:lnSpc>
                 <a:spcPct val="100000"/>
               </a:lnSpc>
@@ -21763,7 +21792,7 @@
             </a:endParaRPr>
           </a:p>
           <a:p>
-            <a:pPr marL="432000" indent="-322920">
+            <a:pPr marL="432000" indent="-322560">
               <a:lnSpc>
                 <a:spcPct val="100000"/>
               </a:lnSpc>
@@ -21802,7 +21831,7 @@
             </a:endParaRPr>
           </a:p>
           <a:p>
-            <a:pPr marL="432000" indent="-322920">
+            <a:pPr marL="432000" indent="-322560">
               <a:lnSpc>
                 <a:spcPct val="100000"/>
               </a:lnSpc>
@@ -21841,7 +21870,7 @@
             </a:endParaRPr>
           </a:p>
           <a:p>
-            <a:pPr marL="432000" indent="-322920">
+            <a:pPr marL="432000" indent="-322560">
               <a:lnSpc>
                 <a:spcPct val="100000"/>
               </a:lnSpc>
@@ -21880,7 +21909,7 @@
             </a:endParaRPr>
           </a:p>
           <a:p>
-            <a:pPr marL="432000" indent="-322920">
+            <a:pPr marL="432000" indent="-322560">
               <a:lnSpc>
                 <a:spcPct val="100000"/>
               </a:lnSpc>
@@ -21919,7 +21948,7 @@
             </a:endParaRPr>
           </a:p>
           <a:p>
-            <a:pPr marL="432000" indent="-322920">
+            <a:pPr marL="432000" indent="-322560">
               <a:lnSpc>
                 <a:spcPct val="100000"/>
               </a:lnSpc>
@@ -21958,7 +21987,7 @@
             </a:endParaRPr>
           </a:p>
           <a:p>
-            <a:pPr marL="432000" indent="-322920">
+            <a:pPr marL="432000" indent="-322560">
               <a:lnSpc>
                 <a:spcPct val="100000"/>
               </a:lnSpc>
@@ -21997,7 +22026,7 @@
             </a:endParaRPr>
           </a:p>
           <a:p>
-            <a:pPr marL="432000" indent="-322920">
+            <a:pPr marL="432000" indent="-322560">
               <a:lnSpc>
                 <a:spcPct val="100000"/>
               </a:lnSpc>
@@ -22036,7 +22065,7 @@
             </a:endParaRPr>
           </a:p>
           <a:p>
-            <a:pPr marL="432000" indent="-322920">
+            <a:pPr marL="432000" indent="-322560">
               <a:lnSpc>
                 <a:spcPct val="100000"/>
               </a:lnSpc>
@@ -22127,14 +22156,14 @@
       </p:grpSpPr>
       <p:sp>
         <p:nvSpPr>
-          <p:cNvPr id="313" name="CustomShape 1"/>
+          <p:cNvPr id="314" name="CustomShape 1"/>
           <p:cNvSpPr/>
           <p:nvPr/>
         </p:nvSpPr>
         <p:spPr>
           <a:xfrm>
             <a:off x="0" y="0"/>
-            <a:ext cx="10078920" cy="1562400"/>
+            <a:ext cx="10078560" cy="1562040"/>
           </a:xfrm>
           <a:prstGeom prst="rect">
             <a:avLst/>
@@ -22191,14 +22220,14 @@
       </p:sp>
       <p:sp>
         <p:nvSpPr>
-          <p:cNvPr id="314" name="CustomShape 2"/>
+          <p:cNvPr id="315" name="CustomShape 2"/>
           <p:cNvSpPr/>
           <p:nvPr/>
         </p:nvSpPr>
         <p:spPr>
           <a:xfrm>
             <a:off x="504000" y="2201040"/>
-            <a:ext cx="9070560" cy="4383360"/>
+            <a:ext cx="9070200" cy="4383000"/>
           </a:xfrm>
           <a:prstGeom prst="rect">
             <a:avLst/>
@@ -22217,7 +22246,7 @@
         <p:txBody>
           <a:bodyPr lIns="0" rIns="0" tIns="0" bIns="0"/>
           <a:p>
-            <a:pPr marL="432000" indent="-322920">
+            <a:pPr marL="432000" indent="-322560">
               <a:lnSpc>
                 <a:spcPct val="100000"/>
               </a:lnSpc>
@@ -22255,7 +22284,7 @@
             </a:endParaRPr>
           </a:p>
           <a:p>
-            <a:pPr marL="432000" indent="-322920">
+            <a:pPr marL="432000" indent="-322560">
               <a:lnSpc>
                 <a:spcPct val="100000"/>
               </a:lnSpc>
@@ -22293,7 +22322,7 @@
             </a:endParaRPr>
           </a:p>
           <a:p>
-            <a:pPr marL="432000" indent="-322920">
+            <a:pPr marL="432000" indent="-322560">
               <a:lnSpc>
                 <a:spcPct val="100000"/>
               </a:lnSpc>
@@ -22331,7 +22360,7 @@
             </a:endParaRPr>
           </a:p>
           <a:p>
-            <a:pPr marL="432000" indent="-322920">
+            <a:pPr marL="432000" indent="-322560">
               <a:lnSpc>
                 <a:spcPct val="100000"/>
               </a:lnSpc>
@@ -22421,14 +22450,14 @@
       </p:grpSpPr>
       <p:sp>
         <p:nvSpPr>
-          <p:cNvPr id="315" name="CustomShape 1"/>
+          <p:cNvPr id="316" name="CustomShape 1"/>
           <p:cNvSpPr/>
           <p:nvPr/>
         </p:nvSpPr>
         <p:spPr>
           <a:xfrm>
             <a:off x="0" y="0"/>
-            <a:ext cx="10078920" cy="1562400"/>
+            <a:ext cx="10078560" cy="1562040"/>
           </a:xfrm>
           <a:prstGeom prst="rect">
             <a:avLst/>
@@ -22541,14 +22570,14 @@
       </p:grpSpPr>
       <p:sp>
         <p:nvSpPr>
-          <p:cNvPr id="316" name="CustomShape 1"/>
+          <p:cNvPr id="317" name="CustomShape 1"/>
           <p:cNvSpPr/>
           <p:nvPr/>
         </p:nvSpPr>
         <p:spPr>
           <a:xfrm>
             <a:off x="0" y="0"/>
-            <a:ext cx="10078920" cy="7247520"/>
+            <a:ext cx="10078560" cy="7247160"/>
           </a:xfrm>
           <a:prstGeom prst="rect">
             <a:avLst/>
@@ -22652,14 +22681,14 @@
       </p:grpSpPr>
       <p:sp>
         <p:nvSpPr>
-          <p:cNvPr id="317" name="CustomShape 1"/>
+          <p:cNvPr id="318" name="CustomShape 1"/>
           <p:cNvSpPr/>
           <p:nvPr/>
         </p:nvSpPr>
         <p:spPr>
           <a:xfrm>
             <a:off x="0" y="0"/>
-            <a:ext cx="10078920" cy="1562400"/>
+            <a:ext cx="10078560" cy="1562040"/>
           </a:xfrm>
           <a:prstGeom prst="rect">
             <a:avLst/>
@@ -22716,14 +22745,14 @@
       </p:sp>
       <p:sp>
         <p:nvSpPr>
-          <p:cNvPr id="318" name="CustomShape 2"/>
+          <p:cNvPr id="319" name="CustomShape 2"/>
           <p:cNvSpPr/>
           <p:nvPr/>
         </p:nvSpPr>
         <p:spPr>
           <a:xfrm>
             <a:off x="504000" y="2201040"/>
-            <a:ext cx="9070560" cy="4383360"/>
+            <a:ext cx="9070200" cy="4383000"/>
           </a:xfrm>
           <a:prstGeom prst="rect">
             <a:avLst/>
@@ -22742,7 +22771,7 @@
         <p:txBody>
           <a:bodyPr lIns="0" rIns="0" tIns="0" bIns="0"/>
           <a:p>
-            <a:pPr marL="432000" indent="-322920">
+            <a:pPr marL="432000" indent="-322560">
               <a:lnSpc>
                 <a:spcPct val="100000"/>
               </a:lnSpc>
@@ -22780,7 +22809,7 @@
             </a:endParaRPr>
           </a:p>
           <a:p>
-            <a:pPr marL="432000" indent="-322920">
+            <a:pPr marL="432000" indent="-322560">
               <a:lnSpc>
                 <a:spcPct val="100000"/>
               </a:lnSpc>
@@ -22818,7 +22847,7 @@
             </a:endParaRPr>
           </a:p>
           <a:p>
-            <a:pPr marL="432000" indent="-322920">
+            <a:pPr marL="432000" indent="-322560">
               <a:lnSpc>
                 <a:spcPct val="100000"/>
               </a:lnSpc>
@@ -22856,7 +22885,7 @@
             </a:endParaRPr>
           </a:p>
           <a:p>
-            <a:pPr marL="432000" indent="-322920">
+            <a:pPr marL="432000" indent="-322560">
               <a:lnSpc>
                 <a:spcPct val="100000"/>
               </a:lnSpc>
@@ -22894,7 +22923,7 @@
             </a:endParaRPr>
           </a:p>
           <a:p>
-            <a:pPr marL="432000" indent="-322920">
+            <a:pPr marL="432000" indent="-322560">
               <a:lnSpc>
                 <a:spcPct val="100000"/>
               </a:lnSpc>
@@ -22933,7 +22962,7 @@
             </a:endParaRPr>
           </a:p>
           <a:p>
-            <a:pPr marL="432000" indent="-322920">
+            <a:pPr marL="432000" indent="-322560">
               <a:lnSpc>
                 <a:spcPct val="100000"/>
               </a:lnSpc>
@@ -23024,14 +23053,14 @@
       </p:grpSpPr>
       <p:sp>
         <p:nvSpPr>
-          <p:cNvPr id="319" name="CustomShape 1"/>
+          <p:cNvPr id="320" name="CustomShape 1"/>
           <p:cNvSpPr/>
           <p:nvPr/>
         </p:nvSpPr>
         <p:spPr>
           <a:xfrm>
             <a:off x="0" y="0"/>
-            <a:ext cx="10078920" cy="1562400"/>
+            <a:ext cx="10078560" cy="1562040"/>
           </a:xfrm>
           <a:prstGeom prst="rect">
             <a:avLst/>
@@ -23144,14 +23173,14 @@
       </p:grpSpPr>
       <p:sp>
         <p:nvSpPr>
-          <p:cNvPr id="320" name="CustomShape 1"/>
+          <p:cNvPr id="321" name="CustomShape 1"/>
           <p:cNvSpPr/>
           <p:nvPr/>
         </p:nvSpPr>
         <p:spPr>
           <a:xfrm>
             <a:off x="0" y="0"/>
-            <a:ext cx="10078920" cy="7247520"/>
+            <a:ext cx="10078560" cy="7247160"/>
           </a:xfrm>
           <a:prstGeom prst="rect">
             <a:avLst/>
@@ -23255,14 +23284,14 @@
       </p:grpSpPr>
       <p:sp>
         <p:nvSpPr>
-          <p:cNvPr id="321" name="CustomShape 1"/>
+          <p:cNvPr id="322" name="CustomShape 1"/>
           <p:cNvSpPr/>
           <p:nvPr/>
         </p:nvSpPr>
         <p:spPr>
           <a:xfrm>
             <a:off x="0" y="0"/>
-            <a:ext cx="10078920" cy="1562400"/>
+            <a:ext cx="10078560" cy="1562040"/>
           </a:xfrm>
           <a:prstGeom prst="rect">
             <a:avLst/>
@@ -23375,14 +23404,14 @@
       </p:grpSpPr>
       <p:sp>
         <p:nvSpPr>
-          <p:cNvPr id="322" name="CustomShape 1"/>
+          <p:cNvPr id="323" name="CustomShape 1"/>
           <p:cNvSpPr/>
           <p:nvPr/>
         </p:nvSpPr>
         <p:spPr>
           <a:xfrm>
             <a:off x="0" y="0"/>
-            <a:ext cx="10078920" cy="7247520"/>
+            <a:ext cx="10078560" cy="7247160"/>
           </a:xfrm>
           <a:prstGeom prst="rect">
             <a:avLst/>
@@ -23486,14 +23515,14 @@
       </p:grpSpPr>
       <p:sp>
         <p:nvSpPr>
-          <p:cNvPr id="323" name="CustomShape 1"/>
+          <p:cNvPr id="324" name="CustomShape 1"/>
           <p:cNvSpPr/>
           <p:nvPr/>
         </p:nvSpPr>
         <p:spPr>
           <a:xfrm>
             <a:off x="0" y="0"/>
-            <a:ext cx="10078920" cy="1562400"/>
+            <a:ext cx="10078560" cy="1562040"/>
           </a:xfrm>
           <a:prstGeom prst="rect">
             <a:avLst/>
@@ -23550,14 +23579,14 @@
       </p:sp>
       <p:sp>
         <p:nvSpPr>
-          <p:cNvPr id="324" name="CustomShape 2"/>
+          <p:cNvPr id="325" name="CustomShape 2"/>
           <p:cNvSpPr/>
           <p:nvPr/>
         </p:nvSpPr>
         <p:spPr>
           <a:xfrm>
             <a:off x="504000" y="2021040"/>
-            <a:ext cx="9070560" cy="4383360"/>
+            <a:ext cx="9070200" cy="4383000"/>
           </a:xfrm>
           <a:prstGeom prst="rect">
             <a:avLst/>
@@ -23576,7 +23605,7 @@
         <p:txBody>
           <a:bodyPr lIns="0" rIns="0" tIns="0" bIns="0"/>
           <a:p>
-            <a:pPr marL="432000" indent="-322920">
+            <a:pPr marL="432000" indent="-322560">
               <a:lnSpc>
                 <a:spcPct val="100000"/>
               </a:lnSpc>
@@ -23615,7 +23644,7 @@
             </a:endParaRPr>
           </a:p>
           <a:p>
-            <a:pPr marL="432000" indent="-322920">
+            <a:pPr marL="432000" indent="-322560">
               <a:lnSpc>
                 <a:spcPct val="100000"/>
               </a:lnSpc>
@@ -23654,7 +23683,7 @@
             </a:endParaRPr>
           </a:p>
           <a:p>
-            <a:pPr marL="432000" indent="-322920">
+            <a:pPr marL="432000" indent="-322560">
               <a:lnSpc>
                 <a:spcPct val="100000"/>
               </a:lnSpc>
@@ -23693,7 +23722,7 @@
             </a:endParaRPr>
           </a:p>
           <a:p>
-            <a:pPr marL="432000" indent="-322920">
+            <a:pPr marL="432000" indent="-322560">
               <a:lnSpc>
                 <a:spcPct val="100000"/>
               </a:lnSpc>
@@ -23732,7 +23761,7 @@
             </a:endParaRPr>
           </a:p>
           <a:p>
-            <a:pPr marL="432000" indent="-322920">
+            <a:pPr marL="432000" indent="-322560">
               <a:lnSpc>
                 <a:spcPct val="100000"/>
               </a:lnSpc>
@@ -23771,7 +23800,7 @@
             </a:endParaRPr>
           </a:p>
           <a:p>
-            <a:pPr marL="432000" indent="-322920">
+            <a:pPr marL="432000" indent="-322560">
               <a:lnSpc>
                 <a:spcPct val="100000"/>
               </a:lnSpc>
@@ -23810,7 +23839,7 @@
             </a:endParaRPr>
           </a:p>
           <a:p>
-            <a:pPr marL="432000" indent="-322920">
+            <a:pPr marL="432000" indent="-322560">
               <a:lnSpc>
                 <a:spcPct val="100000"/>
               </a:lnSpc>
@@ -23908,14 +23937,14 @@
       </p:grpSpPr>
       <p:sp>
         <p:nvSpPr>
-          <p:cNvPr id="325" name="CustomShape 1"/>
+          <p:cNvPr id="326" name="CustomShape 1"/>
           <p:cNvSpPr/>
           <p:nvPr/>
         </p:nvSpPr>
         <p:spPr>
           <a:xfrm>
             <a:off x="0" y="0"/>
-            <a:ext cx="10078920" cy="7314120"/>
+            <a:ext cx="10078560" cy="7313760"/>
           </a:xfrm>
           <a:prstGeom prst="rect">
             <a:avLst/>
@@ -23970,14 +23999,14 @@
       </p:sp>
       <p:sp>
         <p:nvSpPr>
-          <p:cNvPr id="326" name="CustomShape 2"/>
+          <p:cNvPr id="327" name="CustomShape 2"/>
           <p:cNvSpPr/>
           <p:nvPr/>
         </p:nvSpPr>
         <p:spPr>
           <a:xfrm>
             <a:off x="879480" y="5428080"/>
-            <a:ext cx="8319960" cy="821880"/>
+            <a:ext cx="8319600" cy="821520"/>
           </a:xfrm>
           <a:prstGeom prst="rect">
             <a:avLst/>
@@ -24095,7 +24124,7 @@
         <p:spPr>
           <a:xfrm>
             <a:off x="0" y="0"/>
-            <a:ext cx="10078920" cy="7247520"/>
+            <a:ext cx="10078560" cy="7247160"/>
           </a:xfrm>
           <a:prstGeom prst="rect">
             <a:avLst/>
@@ -24206,7 +24235,7 @@
         <p:spPr>
           <a:xfrm>
             <a:off x="0" y="0"/>
-            <a:ext cx="10078920" cy="1562400"/>
+            <a:ext cx="10078560" cy="1562040"/>
           </a:xfrm>
           <a:prstGeom prst="rect">
             <a:avLst/>
@@ -24270,7 +24299,7 @@
         <p:spPr>
           <a:xfrm>
             <a:off x="504000" y="2021040"/>
-            <a:ext cx="9070560" cy="4383360"/>
+            <a:ext cx="9070200" cy="4383000"/>
           </a:xfrm>
           <a:prstGeom prst="rect">
             <a:avLst/>
@@ -24380,8 +24409,36 @@
         </p:nvSpPr>
         <p:spPr>
           <a:xfrm>
+            <a:off x="1097280" y="2651760"/>
+            <a:ext cx="7907040" cy="3473280"/>
+          </a:xfrm>
+          <a:prstGeom prst="rect">
+            <a:avLst/>
+          </a:prstGeom>
+          <a:solidFill>
+            <a:srgbClr val="eeeeee"/>
+          </a:solidFill>
+          <a:ln>
+            <a:noFill/>
+          </a:ln>
+        </p:spPr>
+        <p:style>
+          <a:lnRef idx="0"/>
+          <a:fillRef idx="0"/>
+          <a:effectRef idx="0"/>
+          <a:fontRef idx="minor"/>
+        </p:style>
+      </p:sp>
+      <p:sp>
+        <p:nvSpPr>
+          <p:cNvPr id="230" name="CustomShape 2"/>
+          <p:cNvSpPr/>
+          <p:nvPr/>
+        </p:nvSpPr>
+        <p:spPr>
+          <a:xfrm>
             <a:off x="0" y="0"/>
-            <a:ext cx="10078920" cy="1562400"/>
+            <a:ext cx="10078560" cy="1562040"/>
           </a:xfrm>
           <a:prstGeom prst="rect">
             <a:avLst/>
@@ -24438,14 +24495,14 @@
       </p:sp>
       <p:sp>
         <p:nvSpPr>
-          <p:cNvPr id="230" name="CustomShape 2"/>
+          <p:cNvPr id="231" name="CustomShape 3"/>
           <p:cNvSpPr/>
           <p:nvPr/>
         </p:nvSpPr>
         <p:spPr>
           <a:xfrm>
-            <a:off x="1097280" y="2651760"/>
-            <a:ext cx="7907400" cy="3473640"/>
+            <a:off x="1371600" y="2651760"/>
+            <a:ext cx="7315200" cy="3473280"/>
           </a:xfrm>
           <a:prstGeom prst="rect">
             <a:avLst/>
@@ -24476,7 +24533,7 @@
                     <a:srgbClr val="ffffff"/>
                   </a:solidFill>
                 </a:uFill>
-                <a:latin typeface="DejaVu Sans Condensed"/>
+                <a:latin typeface="Noto Sans"/>
                 <a:ea typeface="DejaVu Sans"/>
               </a:rPr>
               <a:t>- Маслята, я тут выбираю из MySQL пару миллионов записей с семью джойнами, стал агрегировать по количеству комментариев, и что-то он тормозить стал.</a:t>
@@ -24490,7 +24547,7 @@
                   <a:srgbClr val="ffffff"/>
                 </a:solidFill>
               </a:uFill>
-              <a:latin typeface="Arial"/>
+              <a:latin typeface="Noto Sans"/>
             </a:endParaRPr>
           </a:p>
           <a:p>
@@ -24503,7 +24560,7 @@
                   <a:srgbClr val="ffffff"/>
                 </a:solidFill>
               </a:uFill>
-              <a:latin typeface="Arial"/>
+              <a:latin typeface="Noto Sans"/>
             </a:endParaRPr>
           </a:p>
           <a:p>
@@ -24517,7 +24574,7 @@
                     <a:srgbClr val="ffffff"/>
                   </a:solidFill>
                 </a:uFill>
-                <a:latin typeface="DejaVu Sans Condensed"/>
+                <a:latin typeface="Noto Sans"/>
                 <a:ea typeface="DejaVu Sans"/>
               </a:rPr>
               <a:t>Я думаю поставить Redis, что скажете?</a:t>
@@ -24531,21 +24588,21 @@
                   <a:srgbClr val="ffffff"/>
                 </a:solidFill>
               </a:uFill>
-              <a:latin typeface="Arial"/>
-            </a:endParaRPr>
-          </a:p>
-        </p:txBody>
-      </p:sp>
-      <p:sp>
-        <p:nvSpPr>
-          <p:cNvPr id="231" name="CustomShape 3"/>
+              <a:latin typeface="Noto Sans"/>
+            </a:endParaRPr>
+          </a:p>
+        </p:txBody>
+      </p:sp>
+      <p:sp>
+        <p:nvSpPr>
+          <p:cNvPr id="232" name="CustomShape 4"/>
           <p:cNvSpPr/>
           <p:nvPr/>
         </p:nvSpPr>
         <p:spPr>
           <a:xfrm>
             <a:off x="457200" y="2158560"/>
-            <a:ext cx="2102040" cy="1334520"/>
+            <a:ext cx="2101680" cy="1334160"/>
           </a:xfrm>
           <a:prstGeom prst="rect">
             <a:avLst/>
@@ -24595,14 +24652,14 @@
       </p:sp>
       <p:sp>
         <p:nvSpPr>
-          <p:cNvPr id="232" name="CustomShape 4"/>
+          <p:cNvPr id="233" name="CustomShape 5"/>
           <p:cNvSpPr/>
           <p:nvPr/>
         </p:nvSpPr>
         <p:spPr>
           <a:xfrm>
             <a:off x="9144000" y="5156640"/>
-            <a:ext cx="639000" cy="1334520"/>
+            <a:ext cx="638640" cy="1334160"/>
           </a:xfrm>
           <a:prstGeom prst="rect">
             <a:avLst/>
@@ -24701,14 +24758,14 @@
       </p:grpSpPr>
       <p:sp>
         <p:nvSpPr>
-          <p:cNvPr id="233" name="CustomShape 1"/>
+          <p:cNvPr id="234" name="CustomShape 1"/>
           <p:cNvSpPr/>
           <p:nvPr/>
         </p:nvSpPr>
         <p:spPr>
           <a:xfrm>
             <a:off x="0" y="0"/>
-            <a:ext cx="10078920" cy="1562400"/>
+            <a:ext cx="10078560" cy="1562040"/>
           </a:xfrm>
           <a:prstGeom prst="rect">
             <a:avLst/>
@@ -24765,14 +24822,14 @@
       </p:sp>
       <p:sp>
         <p:nvSpPr>
-          <p:cNvPr id="234" name="CustomShape 2"/>
+          <p:cNvPr id="235" name="CustomShape 2"/>
           <p:cNvSpPr/>
           <p:nvPr/>
         </p:nvSpPr>
         <p:spPr>
           <a:xfrm>
             <a:off x="504000" y="2021040"/>
-            <a:ext cx="9070560" cy="4383360"/>
+            <a:ext cx="9070200" cy="4383000"/>
           </a:xfrm>
           <a:prstGeom prst="rect">
             <a:avLst/>
